--- a/Documentación/INSIRU_Pokemon_INSIRU.pptx
+++ b/Documentación/INSIRU_Pokemon_INSIRU.pptx
@@ -845,7 +845,7 @@
               </a:spcAft>
               <a:buClrTx/>
               <a:buSzTx/>
-              <a:buFontTx/>
+              <a:buFont typeface="Arial" panose="020B0604020202020204" pitchFamily="34" charset="0"/>
               <a:buNone/>
               <a:tabLst/>
               <a:defRPr/>
@@ -860,8 +860,88 @@
                 <a:ea typeface="Times New Roman" panose="02020603050405020304" pitchFamily="18" charset="0"/>
                 <a:cs typeface="Times New Roman" panose="02020603050405020304" pitchFamily="18" charset="0"/>
               </a:rPr>
-              <a:t>vamos a utilizar un modelo E-R para representar un sistema relacionado con los populares juegos de Pokémon. El modelo consta de varias tablas que representan diferentes entidades y sus atributos.</a:t>
+              <a:t>Vamos a utilizar un modelo E-R para representar un sistema relacionado con los populares juegos de Pokémon. El modelo consta de varias tablas que representan diferentes entidades y sus atributos.</a:t>
             </a:r>
+          </a:p>
+          <a:p>
+            <a:pPr marL="0" marR="0" lvl="0" indent="0" algn="l" defTabSz="914400" rtl="0" eaLnBrk="1" fontAlgn="auto" latinLnBrk="0" hangingPunct="1">
+              <a:lnSpc>
+                <a:spcPct val="100000"/>
+              </a:lnSpc>
+              <a:spcBef>
+                <a:spcPts val="0"/>
+              </a:spcBef>
+              <a:spcAft>
+                <a:spcPts val="0"/>
+              </a:spcAft>
+              <a:buClrTx/>
+              <a:buSzTx/>
+              <a:buFont typeface="Arial" panose="020B0604020202020204" pitchFamily="34" charset="0"/>
+              <a:buNone/>
+              <a:tabLst/>
+              <a:defRPr/>
+            </a:pPr>
+            <a:endParaRPr lang="es-ES" sz="1800" kern="100" dirty="0">
+              <a:solidFill>
+                <a:srgbClr val="000000"/>
+              </a:solidFill>
+              <a:effectLst/>
+              <a:latin typeface="Arial" panose="020B0604020202020204" pitchFamily="34" charset="0"/>
+              <a:cs typeface="Times New Roman" panose="02020603050405020304" pitchFamily="18" charset="0"/>
+            </a:endParaRPr>
+          </a:p>
+          <a:p>
+            <a:pPr marL="457200" marR="0" lvl="0" indent="-457200" algn="l" defTabSz="914400" rtl="0" eaLnBrk="1" fontAlgn="auto" latinLnBrk="0" hangingPunct="1">
+              <a:lnSpc>
+                <a:spcPct val="100000"/>
+              </a:lnSpc>
+              <a:spcBef>
+                <a:spcPts val="0"/>
+              </a:spcBef>
+              <a:spcAft>
+                <a:spcPts val="0"/>
+              </a:spcAft>
+              <a:buClrTx/>
+              <a:buSzTx/>
+              <a:buFont typeface="Arial" panose="020B0604020202020204" pitchFamily="34" charset="0"/>
+              <a:buChar char="•"/>
+              <a:tabLst/>
+              <a:defRPr/>
+            </a:pPr>
+            <a:r>
+              <a:rPr lang="es-ES" sz="1200" kern="1200" dirty="0">
+                <a:solidFill>
+                  <a:schemeClr val="tx1"/>
+                </a:solidFill>
+                <a:latin typeface="+mn-lt"/>
+                <a:ea typeface="+mn-ea"/>
+                <a:cs typeface="+mn-cs"/>
+              </a:rPr>
+              <a:t>Tabla "</a:t>
+            </a:r>
+            <a:r>
+              <a:rPr lang="es-ES" sz="2800" dirty="0"/>
+              <a:t>Pokemon”: Esta tabla contiene información sobre los Pokémon. Los atributos incluyen un identificador único (id), nombre, tipo y vida. </a:t>
+            </a:r>
+          </a:p>
+          <a:p>
+            <a:pPr marL="0" marR="0" lvl="0" indent="0" algn="l" defTabSz="914400" rtl="0" eaLnBrk="1" fontAlgn="auto" latinLnBrk="0" hangingPunct="1">
+              <a:lnSpc>
+                <a:spcPct val="100000"/>
+              </a:lnSpc>
+              <a:spcBef>
+                <a:spcPts val="0"/>
+              </a:spcBef>
+              <a:spcAft>
+                <a:spcPts val="0"/>
+              </a:spcAft>
+              <a:buClrTx/>
+              <a:buSzTx/>
+              <a:buFont typeface="Arial" panose="020B0604020202020204" pitchFamily="34" charset="0"/>
+              <a:buNone/>
+              <a:tabLst/>
+              <a:defRPr/>
+            </a:pPr>
             <a:endParaRPr lang="es-ES" sz="1800" kern="100" dirty="0">
               <a:effectLst/>
               <a:latin typeface="Calibri" panose="020F0502020204030204" pitchFamily="34" charset="0"/>
@@ -870,7 +950,121 @@
             </a:endParaRPr>
           </a:p>
           <a:p>
+            <a:pPr marL="171450" indent="-171450">
+              <a:buFont typeface="Arial" panose="020B0604020202020204" pitchFamily="34" charset="0"/>
+              <a:buChar char="•"/>
+            </a:pPr>
+            <a:r>
+              <a:rPr lang="es-ES" dirty="0"/>
+              <a:t>Tabla "</a:t>
+            </a:r>
+            <a:r>
+              <a:rPr lang="es-ES" dirty="0" err="1"/>
+              <a:t>Estadisticas</a:t>
+            </a:r>
+            <a:r>
+              <a:rPr lang="es-ES" dirty="0"/>
+              <a:t>”: Esta tabla almacena estadísticas relacionadas con los Pokémon. Los atributos incluyen un identificador de Pokémon (</a:t>
+            </a:r>
+            <a:r>
+              <a:rPr lang="es-ES" dirty="0" err="1"/>
+              <a:t>id_pokemon</a:t>
+            </a:r>
+            <a:r>
+              <a:rPr lang="es-ES" dirty="0"/>
+              <a:t>) que se relaciona con la tabla "Pokemon", y varias columnas que registran el número de veces que un Pokémon ha sido elegido, ganado, perdido, y las veces que ha utilizado diferentes tipos de ataques (placaje, bloqueo, curar, elemental). </a:t>
+            </a:r>
+          </a:p>
+          <a:p>
+            <a:pPr marL="0" indent="0">
+              <a:buFont typeface="Arial" panose="020B0604020202020204" pitchFamily="34" charset="0"/>
+              <a:buNone/>
+            </a:pPr>
             <a:endParaRPr lang="es-ES" dirty="0"/>
+          </a:p>
+          <a:p>
+            <a:pPr marL="171450" indent="-171450">
+              <a:buFont typeface="Arial" panose="020B0604020202020204" pitchFamily="34" charset="0"/>
+              <a:buChar char="•"/>
+            </a:pPr>
+            <a:r>
+              <a:rPr lang="es-ES" dirty="0"/>
+              <a:t>Tabla "</a:t>
+            </a:r>
+            <a:r>
+              <a:rPr lang="es-ES" dirty="0" err="1"/>
+              <a:t>Tipo_ataque</a:t>
+            </a:r>
+            <a:r>
+              <a:rPr lang="es-ES" dirty="0"/>
+              <a:t>”: Esta tabla representa los tipos de ataques disponibles. Los atributos incluyen un identificador único (id) y el tipo de ataque.</a:t>
+            </a:r>
+          </a:p>
+          <a:p>
+            <a:pPr marL="0" indent="0">
+              <a:buFont typeface="Arial" panose="020B0604020202020204" pitchFamily="34" charset="0"/>
+              <a:buNone/>
+            </a:pPr>
+            <a:endParaRPr lang="es-ES" dirty="0"/>
+          </a:p>
+          <a:p>
+            <a:pPr marL="171450" indent="-171450">
+              <a:buFont typeface="Arial" panose="020B0604020202020204" pitchFamily="34" charset="0"/>
+              <a:buChar char="•"/>
+            </a:pPr>
+            <a:r>
+              <a:rPr lang="es-ES" dirty="0"/>
+              <a:t>Tabla "Ataque“: Esta tabla contiene información detallada sobre los ataques. Los atributos incluyen un identificador único (id), nombre y tipo de ataque. El tipo de ataque se relaciona con la tabla "</a:t>
+            </a:r>
+            <a:r>
+              <a:rPr lang="es-ES" dirty="0" err="1"/>
+              <a:t>Tipo_ataque</a:t>
+            </a:r>
+            <a:r>
+              <a:rPr lang="es-ES" dirty="0"/>
+              <a:t>" a través del atributo "</a:t>
+            </a:r>
+            <a:r>
+              <a:rPr lang="es-ES" dirty="0" err="1"/>
+              <a:t>id_tipo_ataque</a:t>
+            </a:r>
+            <a:r>
+              <a:rPr lang="es-ES" dirty="0"/>
+              <a:t>".</a:t>
+            </a:r>
+          </a:p>
+          <a:p>
+            <a:pPr marL="0" indent="0">
+              <a:buFont typeface="Arial" panose="020B0604020202020204" pitchFamily="34" charset="0"/>
+              <a:buNone/>
+            </a:pPr>
+            <a:endParaRPr lang="es-ES" dirty="0"/>
+          </a:p>
+          <a:p>
+            <a:pPr marL="171450" indent="-171450">
+              <a:buFont typeface="Arial" panose="020B0604020202020204" pitchFamily="34" charset="0"/>
+              <a:buChar char="•"/>
+            </a:pPr>
+            <a:r>
+              <a:rPr lang="es-ES" dirty="0"/>
+              <a:t>Conclusiones: En este modelo, se establecen las relaciones entre las tablas utilizando claves primarias y claves foráneas. Por ejemplo, la tabla "</a:t>
+            </a:r>
+            <a:r>
+              <a:rPr lang="es-ES" dirty="0" err="1"/>
+              <a:t>Estadisticas</a:t>
+            </a:r>
+            <a:r>
+              <a:rPr lang="es-ES" dirty="0"/>
+              <a:t>" tiene una clave foránea "</a:t>
+            </a:r>
+            <a:r>
+              <a:rPr lang="es-ES" dirty="0" err="1"/>
+              <a:t>id_pokemon</a:t>
+            </a:r>
+            <a:r>
+              <a:rPr lang="es-ES" dirty="0"/>
+              <a:t>" que se relaciona con la clave primaria "id" de la tabla "Pokemon". Esto permite vincular las estadísticas con el Pokémon correspondiente. En resumen, el modelo E-R representa la estructura de una base de datos con información sobre Pokémon, sus estadísticas, tipos de ataques y detalles de los ataques. Este modelo ayuda a organizar y comprender la relación entre los diferentes elementos de la base de datos, facilitando el diseño y la gestión eficiente de la información.</a:t>
+            </a:r>
           </a:p>
         </p:txBody>
       </p:sp>
@@ -911,6 +1105,102 @@
 </file>
 
 <file path=ppt/notesSlides/notesSlide4.xml><?xml version="1.0" encoding="utf-8"?>
+<p:notes xmlns:a="http://schemas.openxmlformats.org/drawingml/2006/main" xmlns:r="http://schemas.openxmlformats.org/officeDocument/2006/relationships" xmlns:p="http://schemas.openxmlformats.org/presentationml/2006/main">
+  <p:cSld>
+    <p:spTree>
+      <p:nvGrpSpPr>
+        <p:cNvPr id="1" name=""/>
+        <p:cNvGrpSpPr/>
+        <p:nvPr/>
+      </p:nvGrpSpPr>
+      <p:grpSpPr>
+        <a:xfrm>
+          <a:off x="0" y="0"/>
+          <a:ext cx="0" cy="0"/>
+          <a:chOff x="0" y="0"/>
+          <a:chExt cx="0" cy="0"/>
+        </a:xfrm>
+      </p:grpSpPr>
+      <p:sp>
+        <p:nvSpPr>
+          <p:cNvPr id="2" name="Marcador de imagen de diapositiva 1"/>
+          <p:cNvSpPr>
+            <a:spLocks noGrp="1" noRot="1" noChangeAspect="1"/>
+          </p:cNvSpPr>
+          <p:nvPr>
+            <p:ph type="sldImg"/>
+          </p:nvPr>
+        </p:nvSpPr>
+        <p:spPr/>
+      </p:sp>
+      <p:sp>
+        <p:nvSpPr>
+          <p:cNvPr id="3" name="Marcador de notas 2"/>
+          <p:cNvSpPr>
+            <a:spLocks noGrp="1"/>
+          </p:cNvSpPr>
+          <p:nvPr>
+            <p:ph type="body" idx="1"/>
+          </p:nvPr>
+        </p:nvSpPr>
+        <p:spPr/>
+        <p:txBody>
+          <a:bodyPr/>
+          <a:lstStyle/>
+          <a:p>
+            <a:r>
+              <a:rPr lang="es-ES" dirty="0"/>
+              <a:t>Tomemos como ejemplo la tabla "Pokemon" en nuestra base de datos. En nuestro programa, utilizamos los campos "Nombre", "Tipo" y "Vida" de esta tabla. Cuando el usuario selecciona al Pokémon Aliado, en este caso Charmander, cargamos en memoria los datos correspondientes a ese Pokémon desde la base de datos.</a:t>
+            </a:r>
+          </a:p>
+          <a:p>
+            <a:endParaRPr lang="es-ES" dirty="0"/>
+          </a:p>
+          <a:p>
+            <a:r>
+              <a:rPr lang="es-ES" dirty="0"/>
+              <a:t>Como se muestra en la imagen, el valor del campo "Nombre" se actualiza a "Charmander", el campo "Tipo" se establece como "Fuego" y el campo "Vida" se asigna el valor de 39.</a:t>
+            </a:r>
+          </a:p>
+        </p:txBody>
+      </p:sp>
+      <p:sp>
+        <p:nvSpPr>
+          <p:cNvPr id="4" name="Marcador de número de diapositiva 3"/>
+          <p:cNvSpPr>
+            <a:spLocks noGrp="1"/>
+          </p:cNvSpPr>
+          <p:nvPr>
+            <p:ph type="sldNum" sz="quarter" idx="5"/>
+          </p:nvPr>
+        </p:nvSpPr>
+        <p:spPr/>
+        <p:txBody>
+          <a:bodyPr/>
+          <a:lstStyle/>
+          <a:p>
+            <a:fld id="{8E386239-2447-4A63-8313-0CBA5825B84B}" type="slidenum">
+              <a:rPr lang="es-ES" smtClean="0"/>
+              <a:t>6</a:t>
+            </a:fld>
+            <a:endParaRPr lang="es-ES"/>
+          </a:p>
+        </p:txBody>
+      </p:sp>
+    </p:spTree>
+    <p:extLst>
+      <p:ext uri="{BB962C8B-B14F-4D97-AF65-F5344CB8AC3E}">
+        <p14:creationId xmlns:p14="http://schemas.microsoft.com/office/powerpoint/2010/main" val="2184058345"/>
+      </p:ext>
+    </p:extLst>
+  </p:cSld>
+  <p:clrMapOvr>
+    <a:masterClrMapping/>
+  </p:clrMapOvr>
+</p:notes>
+</file>
+
+<file path=ppt/notesSlides/notesSlide5.xml><?xml version="1.0" encoding="utf-8"?>
 <p:notes xmlns:a="http://schemas.openxmlformats.org/drawingml/2006/main" xmlns:r="http://schemas.openxmlformats.org/officeDocument/2006/relationships" xmlns:p="http://schemas.openxmlformats.org/presentationml/2006/main">
   <p:cSld>
     <p:spTree>
@@ -1131,7 +1421,7 @@
           <a:noFill/>
           <a:extLst>
             <a:ext uri="{909E8E84-426E-40dd-AFC4-6F175D3DCCD1}">
-              <a14:hiddenFill xmlns:a14="http://schemas.microsoft.com/office/drawing/2010/main" xmlns="">
+              <a14:hiddenFill xmlns="" xmlns:a14="http://schemas.microsoft.com/office/drawing/2010/main">
                 <a:solidFill>
                   <a:srgbClr val="FFFFFF"/>
                 </a:solidFill>
@@ -1190,7 +1480,7 @@
             </a:ln>
             <a:extLst>
               <a:ext uri="{91240B29-F687-4f45-9708-019B960494DF}">
-                <a14:hiddenLine xmlns:a14="http://schemas.microsoft.com/office/drawing/2010/main" xmlns="" w="9525">
+                <a14:hiddenLine xmlns="" xmlns:a14="http://schemas.microsoft.com/office/drawing/2010/main" w="9525">
                   <a:solidFill>
                     <a:srgbClr val="000000"/>
                   </a:solidFill>
@@ -1280,7 +1570,7 @@
             </a:ln>
             <a:extLst>
               <a:ext uri="{91240B29-F687-4f45-9708-019B960494DF}">
-                <a14:hiddenLine xmlns:a14="http://schemas.microsoft.com/office/drawing/2010/main" xmlns="" w="9525">
+                <a14:hiddenLine xmlns="" xmlns:a14="http://schemas.microsoft.com/office/drawing/2010/main" w="9525">
                   <a:solidFill>
                     <a:srgbClr val="000000"/>
                   </a:solidFill>
@@ -1370,7 +1660,7 @@
             </a:ln>
             <a:extLst>
               <a:ext uri="{91240B29-F687-4f45-9708-019B960494DF}">
-                <a14:hiddenLine xmlns:a14="http://schemas.microsoft.com/office/drawing/2010/main" xmlns="" w="9525">
+                <a14:hiddenLine xmlns="" xmlns:a14="http://schemas.microsoft.com/office/drawing/2010/main" w="9525">
                   <a:solidFill>
                     <a:srgbClr val="000000"/>
                   </a:solidFill>
@@ -1404,7 +1694,7 @@
             </a:ln>
             <a:extLst>
               <a:ext uri="{91240B29-F687-4f45-9708-019B960494DF}">
-                <a14:hiddenLine xmlns:a14="http://schemas.microsoft.com/office/drawing/2010/main" xmlns="" w="9525">
+                <a14:hiddenLine xmlns="" xmlns:a14="http://schemas.microsoft.com/office/drawing/2010/main" w="9525">
                   <a:solidFill>
                     <a:srgbClr val="000000"/>
                   </a:solidFill>
@@ -1494,7 +1784,7 @@
             </a:ln>
             <a:extLst>
               <a:ext uri="{91240B29-F687-4f45-9708-019B960494DF}">
-                <a14:hiddenLine xmlns:a14="http://schemas.microsoft.com/office/drawing/2010/main" xmlns="" w="9525">
+                <a14:hiddenLine xmlns="" xmlns:a14="http://schemas.microsoft.com/office/drawing/2010/main" w="9525">
                   <a:solidFill>
                     <a:srgbClr val="000000"/>
                   </a:solidFill>
@@ -1556,7 +1846,7 @@
             </a:ln>
             <a:extLst>
               <a:ext uri="{91240B29-F687-4f45-9708-019B960494DF}">
-                <a14:hiddenLine xmlns:a14="http://schemas.microsoft.com/office/drawing/2010/main" xmlns="" w="9525">
+                <a14:hiddenLine xmlns="" xmlns:a14="http://schemas.microsoft.com/office/drawing/2010/main" w="9525">
                   <a:solidFill>
                     <a:srgbClr val="000000"/>
                   </a:solidFill>
@@ -1618,7 +1908,7 @@
             </a:ln>
             <a:extLst>
               <a:ext uri="{91240B29-F687-4f45-9708-019B960494DF}">
-                <a14:hiddenLine xmlns:a14="http://schemas.microsoft.com/office/drawing/2010/main" xmlns="" w="9525">
+                <a14:hiddenLine xmlns="" xmlns:a14="http://schemas.microsoft.com/office/drawing/2010/main" w="9525">
                   <a:solidFill>
                     <a:srgbClr val="000000"/>
                   </a:solidFill>
@@ -1708,7 +1998,7 @@
             </a:ln>
             <a:extLst>
               <a:ext uri="{91240B29-F687-4f45-9708-019B960494DF}">
-                <a14:hiddenLine xmlns:a14="http://schemas.microsoft.com/office/drawing/2010/main" xmlns="" w="9525">
+                <a14:hiddenLine xmlns="" xmlns:a14="http://schemas.microsoft.com/office/drawing/2010/main" w="9525">
                   <a:solidFill>
                     <a:srgbClr val="000000"/>
                   </a:solidFill>
@@ -1770,7 +2060,7 @@
             </a:ln>
             <a:extLst>
               <a:ext uri="{91240B29-F687-4f45-9708-019B960494DF}">
-                <a14:hiddenLine xmlns:a14="http://schemas.microsoft.com/office/drawing/2010/main" xmlns="" w="9525">
+                <a14:hiddenLine xmlns="" xmlns:a14="http://schemas.microsoft.com/office/drawing/2010/main" w="9525">
                   <a:solidFill>
                     <a:srgbClr val="000000"/>
                   </a:solidFill>
@@ -1832,7 +2122,7 @@
             </a:ln>
             <a:extLst>
               <a:ext uri="{91240B29-F687-4f45-9708-019B960494DF}">
-                <a14:hiddenLine xmlns:a14="http://schemas.microsoft.com/office/drawing/2010/main" xmlns="" w="9525">
+                <a14:hiddenLine xmlns="" xmlns:a14="http://schemas.microsoft.com/office/drawing/2010/main" w="9525">
                   <a:solidFill>
                     <a:srgbClr val="000000"/>
                   </a:solidFill>
@@ -1922,7 +2212,7 @@
             </a:ln>
             <a:extLst>
               <a:ext uri="{91240B29-F687-4f45-9708-019B960494DF}">
-                <a14:hiddenLine xmlns:a14="http://schemas.microsoft.com/office/drawing/2010/main" xmlns="" w="9525">
+                <a14:hiddenLine xmlns="" xmlns:a14="http://schemas.microsoft.com/office/drawing/2010/main" w="9525">
                   <a:solidFill>
                     <a:srgbClr val="000000"/>
                   </a:solidFill>
@@ -2012,7 +2302,7 @@
             </a:ln>
             <a:extLst>
               <a:ext uri="{91240B29-F687-4f45-9708-019B960494DF}">
-                <a14:hiddenLine xmlns:a14="http://schemas.microsoft.com/office/drawing/2010/main" xmlns="" w="9525">
+                <a14:hiddenLine xmlns="" xmlns:a14="http://schemas.microsoft.com/office/drawing/2010/main" w="9525">
                   <a:solidFill>
                     <a:srgbClr val="000000"/>
                   </a:solidFill>
@@ -2074,7 +2364,7 @@
             </a:ln>
             <a:extLst>
               <a:ext uri="{91240B29-F687-4f45-9708-019B960494DF}">
-                <a14:hiddenLine xmlns:a14="http://schemas.microsoft.com/office/drawing/2010/main" xmlns="" w="9525">
+                <a14:hiddenLine xmlns="" xmlns:a14="http://schemas.microsoft.com/office/drawing/2010/main" w="9525">
                   <a:solidFill>
                     <a:srgbClr val="000000"/>
                   </a:solidFill>
@@ -2184,7 +2474,7 @@
             </a:ln>
             <a:extLst>
               <a:ext uri="{91240B29-F687-4f45-9708-019B960494DF}">
-                <a14:hiddenLine xmlns:a14="http://schemas.microsoft.com/office/drawing/2010/main" xmlns="" w="9525">
+                <a14:hiddenLine xmlns="" xmlns:a14="http://schemas.microsoft.com/office/drawing/2010/main" w="9525">
                   <a:solidFill>
                     <a:srgbClr val="000000"/>
                   </a:solidFill>
@@ -2246,7 +2536,7 @@
             </a:ln>
             <a:extLst>
               <a:ext uri="{91240B29-F687-4f45-9708-019B960494DF}">
-                <a14:hiddenLine xmlns:a14="http://schemas.microsoft.com/office/drawing/2010/main" xmlns="" w="9525">
+                <a14:hiddenLine xmlns="" xmlns:a14="http://schemas.microsoft.com/office/drawing/2010/main" w="9525">
                   <a:solidFill>
                     <a:srgbClr val="000000"/>
                   </a:solidFill>
@@ -2336,7 +2626,7 @@
             </a:ln>
             <a:extLst>
               <a:ext uri="{91240B29-F687-4f45-9708-019B960494DF}">
-                <a14:hiddenLine xmlns:a14="http://schemas.microsoft.com/office/drawing/2010/main" xmlns="" w="9525">
+                <a14:hiddenLine xmlns="" xmlns:a14="http://schemas.microsoft.com/office/drawing/2010/main" w="9525">
                   <a:solidFill>
                     <a:srgbClr val="000000"/>
                   </a:solidFill>
@@ -2426,7 +2716,7 @@
             </a:ln>
             <a:extLst>
               <a:ext uri="{91240B29-F687-4f45-9708-019B960494DF}">
-                <a14:hiddenLine xmlns:a14="http://schemas.microsoft.com/office/drawing/2010/main" xmlns="" w="9525">
+                <a14:hiddenLine xmlns="" xmlns:a14="http://schemas.microsoft.com/office/drawing/2010/main" w="9525">
                   <a:solidFill>
                     <a:srgbClr val="000000"/>
                   </a:solidFill>
@@ -2488,7 +2778,7 @@
             </a:ln>
             <a:extLst>
               <a:ext uri="{91240B29-F687-4f45-9708-019B960494DF}">
-                <a14:hiddenLine xmlns:a14="http://schemas.microsoft.com/office/drawing/2010/main" xmlns="" w="9525">
+                <a14:hiddenLine xmlns="" xmlns:a14="http://schemas.microsoft.com/office/drawing/2010/main" w="9525">
                   <a:solidFill>
                     <a:srgbClr val="000000"/>
                   </a:solidFill>
@@ -2578,7 +2868,7 @@
             </a:ln>
             <a:extLst>
               <a:ext uri="{91240B29-F687-4f45-9708-019B960494DF}">
-                <a14:hiddenLine xmlns:a14="http://schemas.microsoft.com/office/drawing/2010/main" xmlns="" w="9525">
+                <a14:hiddenLine xmlns="" xmlns:a14="http://schemas.microsoft.com/office/drawing/2010/main" w="9525">
                   <a:solidFill>
                     <a:srgbClr val="000000"/>
                   </a:solidFill>
@@ -2668,7 +2958,7 @@
             </a:ln>
             <a:extLst>
               <a:ext uri="{91240B29-F687-4f45-9708-019B960494DF}">
-                <a14:hiddenLine xmlns:a14="http://schemas.microsoft.com/office/drawing/2010/main" xmlns="" w="9525">
+                <a14:hiddenLine xmlns="" xmlns:a14="http://schemas.microsoft.com/office/drawing/2010/main" w="9525">
                   <a:solidFill>
                     <a:srgbClr val="000000"/>
                   </a:solidFill>
@@ -2724,7 +3014,7 @@
             </a:ln>
             <a:extLst>
               <a:ext uri="{91240B29-F687-4f45-9708-019B960494DF}">
-                <a14:hiddenLine xmlns:a14="http://schemas.microsoft.com/office/drawing/2010/main" xmlns="" w="9525">
+                <a14:hiddenLine xmlns="" xmlns:a14="http://schemas.microsoft.com/office/drawing/2010/main" w="9525">
                   <a:solidFill>
                     <a:srgbClr val="000000"/>
                   </a:solidFill>
@@ -2814,7 +3104,7 @@
             </a:ln>
             <a:extLst>
               <a:ext uri="{91240B29-F687-4f45-9708-019B960494DF}">
-                <a14:hiddenLine xmlns:a14="http://schemas.microsoft.com/office/drawing/2010/main" xmlns="" w="9525">
+                <a14:hiddenLine xmlns="" xmlns:a14="http://schemas.microsoft.com/office/drawing/2010/main" w="9525">
                   <a:solidFill>
                     <a:srgbClr val="000000"/>
                   </a:solidFill>
@@ -2870,7 +3160,7 @@
             </a:ln>
             <a:extLst>
               <a:ext uri="{91240B29-F687-4f45-9708-019B960494DF}">
-                <a14:hiddenLine xmlns:a14="http://schemas.microsoft.com/office/drawing/2010/main" xmlns="" w="9525">
+                <a14:hiddenLine xmlns="" xmlns:a14="http://schemas.microsoft.com/office/drawing/2010/main" w="9525">
                   <a:solidFill>
                     <a:srgbClr val="000000"/>
                   </a:solidFill>
@@ -2960,7 +3250,7 @@
             </a:ln>
             <a:extLst>
               <a:ext uri="{91240B29-F687-4f45-9708-019B960494DF}">
-                <a14:hiddenLine xmlns:a14="http://schemas.microsoft.com/office/drawing/2010/main" xmlns="" w="9525">
+                <a14:hiddenLine xmlns="" xmlns:a14="http://schemas.microsoft.com/office/drawing/2010/main" w="9525">
                   <a:solidFill>
                     <a:srgbClr val="000000"/>
                   </a:solidFill>
@@ -3028,7 +3318,7 @@
             </a:ln>
             <a:extLst>
               <a:ext uri="{91240B29-F687-4f45-9708-019B960494DF}">
-                <a14:hiddenLine xmlns:a14="http://schemas.microsoft.com/office/drawing/2010/main" xmlns="" w="9525">
+                <a14:hiddenLine xmlns="" xmlns:a14="http://schemas.microsoft.com/office/drawing/2010/main" w="9525">
                   <a:solidFill>
                     <a:srgbClr val="000000"/>
                   </a:solidFill>
@@ -3118,7 +3408,7 @@
             </a:ln>
             <a:extLst>
               <a:ext uri="{91240B29-F687-4f45-9708-019B960494DF}">
-                <a14:hiddenLine xmlns:a14="http://schemas.microsoft.com/office/drawing/2010/main" xmlns="" w="9525">
+                <a14:hiddenLine xmlns="" xmlns:a14="http://schemas.microsoft.com/office/drawing/2010/main" w="9525">
                   <a:solidFill>
                     <a:srgbClr val="000000"/>
                   </a:solidFill>
@@ -3186,7 +3476,7 @@
             </a:ln>
             <a:extLst>
               <a:ext uri="{91240B29-F687-4f45-9708-019B960494DF}">
-                <a14:hiddenLine xmlns:a14="http://schemas.microsoft.com/office/drawing/2010/main" xmlns="" w="9525">
+                <a14:hiddenLine xmlns="" xmlns:a14="http://schemas.microsoft.com/office/drawing/2010/main" w="9525">
                   <a:solidFill>
                     <a:srgbClr val="000000"/>
                   </a:solidFill>
@@ -3276,7 +3566,7 @@
             </a:ln>
             <a:extLst>
               <a:ext uri="{91240B29-F687-4f45-9708-019B960494DF}">
-                <a14:hiddenLine xmlns:a14="http://schemas.microsoft.com/office/drawing/2010/main" xmlns="" w="9525">
+                <a14:hiddenLine xmlns="" xmlns:a14="http://schemas.microsoft.com/office/drawing/2010/main" w="9525">
                   <a:solidFill>
                     <a:srgbClr val="000000"/>
                   </a:solidFill>
@@ -3310,7 +3600,7 @@
             </a:ln>
             <a:extLst>
               <a:ext uri="{91240B29-F687-4f45-9708-019B960494DF}">
-                <a14:hiddenLine xmlns:a14="http://schemas.microsoft.com/office/drawing/2010/main" xmlns="" w="9525">
+                <a14:hiddenLine xmlns="" xmlns:a14="http://schemas.microsoft.com/office/drawing/2010/main" w="9525">
                   <a:solidFill>
                     <a:srgbClr val="000000"/>
                   </a:solidFill>
@@ -3400,7 +3690,7 @@
             </a:ln>
             <a:extLst>
               <a:ext uri="{91240B29-F687-4f45-9708-019B960494DF}">
-                <a14:hiddenLine xmlns:a14="http://schemas.microsoft.com/office/drawing/2010/main" xmlns="" w="9525">
+                <a14:hiddenLine xmlns="" xmlns:a14="http://schemas.microsoft.com/office/drawing/2010/main" w="9525">
                   <a:solidFill>
                     <a:srgbClr val="000000"/>
                   </a:solidFill>
@@ -3462,7 +3752,7 @@
             </a:ln>
             <a:extLst>
               <a:ext uri="{91240B29-F687-4f45-9708-019B960494DF}">
-                <a14:hiddenLine xmlns:a14="http://schemas.microsoft.com/office/drawing/2010/main" xmlns="" w="9525">
+                <a14:hiddenLine xmlns="" xmlns:a14="http://schemas.microsoft.com/office/drawing/2010/main" w="9525">
                   <a:solidFill>
                     <a:srgbClr val="000000"/>
                   </a:solidFill>
@@ -3524,7 +3814,7 @@
             </a:ln>
             <a:extLst>
               <a:ext uri="{91240B29-F687-4f45-9708-019B960494DF}">
-                <a14:hiddenLine xmlns:a14="http://schemas.microsoft.com/office/drawing/2010/main" xmlns="" w="9525">
+                <a14:hiddenLine xmlns="" xmlns:a14="http://schemas.microsoft.com/office/drawing/2010/main" w="9525">
                   <a:solidFill>
                     <a:srgbClr val="000000"/>
                   </a:solidFill>
@@ -3614,7 +3904,7 @@
             </a:ln>
             <a:extLst>
               <a:ext uri="{91240B29-F687-4f45-9708-019B960494DF}">
-                <a14:hiddenLine xmlns:a14="http://schemas.microsoft.com/office/drawing/2010/main" xmlns="" w="9525">
+                <a14:hiddenLine xmlns="" xmlns:a14="http://schemas.microsoft.com/office/drawing/2010/main" w="9525">
                   <a:solidFill>
                     <a:srgbClr val="000000"/>
                   </a:solidFill>
@@ -3682,7 +3972,7 @@
             </a:ln>
             <a:extLst>
               <a:ext uri="{91240B29-F687-4f45-9708-019B960494DF}">
-                <a14:hiddenLine xmlns:a14="http://schemas.microsoft.com/office/drawing/2010/main" xmlns="" w="9525">
+                <a14:hiddenLine xmlns="" xmlns:a14="http://schemas.microsoft.com/office/drawing/2010/main" w="9525">
                   <a:solidFill>
                     <a:srgbClr val="000000"/>
                   </a:solidFill>
@@ -3744,7 +4034,7 @@
             </a:ln>
             <a:extLst>
               <a:ext uri="{91240B29-F687-4f45-9708-019B960494DF}">
-                <a14:hiddenLine xmlns:a14="http://schemas.microsoft.com/office/drawing/2010/main" xmlns="" w="9525">
+                <a14:hiddenLine xmlns="" xmlns:a14="http://schemas.microsoft.com/office/drawing/2010/main" w="9525">
                   <a:solidFill>
                     <a:srgbClr val="000000"/>
                   </a:solidFill>
@@ -3834,7 +4124,7 @@
             </a:ln>
             <a:extLst>
               <a:ext uri="{91240B29-F687-4f45-9708-019B960494DF}">
-                <a14:hiddenLine xmlns:a14="http://schemas.microsoft.com/office/drawing/2010/main" xmlns="" w="9525">
+                <a14:hiddenLine xmlns="" xmlns:a14="http://schemas.microsoft.com/office/drawing/2010/main" w="9525">
                   <a:solidFill>
                     <a:srgbClr val="000000"/>
                   </a:solidFill>
@@ -3896,7 +4186,7 @@
             </a:ln>
             <a:extLst>
               <a:ext uri="{91240B29-F687-4f45-9708-019B960494DF}">
-                <a14:hiddenLine xmlns:a14="http://schemas.microsoft.com/office/drawing/2010/main" xmlns="" w="9525">
+                <a14:hiddenLine xmlns="" xmlns:a14="http://schemas.microsoft.com/office/drawing/2010/main" w="9525">
                   <a:solidFill>
                     <a:srgbClr val="000000"/>
                   </a:solidFill>
@@ -3986,7 +4276,7 @@
             </a:ln>
             <a:extLst>
               <a:ext uri="{91240B29-F687-4f45-9708-019B960494DF}">
-                <a14:hiddenLine xmlns:a14="http://schemas.microsoft.com/office/drawing/2010/main" xmlns="" w="9525">
+                <a14:hiddenLine xmlns="" xmlns:a14="http://schemas.microsoft.com/office/drawing/2010/main" w="9525">
                   <a:solidFill>
                     <a:srgbClr val="000000"/>
                   </a:solidFill>
@@ -4048,7 +4338,7 @@
             </a:ln>
             <a:extLst>
               <a:ext uri="{91240B29-F687-4f45-9708-019B960494DF}">
-                <a14:hiddenLine xmlns:a14="http://schemas.microsoft.com/office/drawing/2010/main" xmlns="" w="9525">
+                <a14:hiddenLine xmlns="" xmlns:a14="http://schemas.microsoft.com/office/drawing/2010/main" w="9525">
                   <a:solidFill>
                     <a:srgbClr val="000000"/>
                   </a:solidFill>
@@ -4138,7 +4428,7 @@
             </a:ln>
             <a:extLst>
               <a:ext uri="{91240B29-F687-4f45-9708-019B960494DF}">
-                <a14:hiddenLine xmlns:a14="http://schemas.microsoft.com/office/drawing/2010/main" xmlns="" w="9525">
+                <a14:hiddenLine xmlns="" xmlns:a14="http://schemas.microsoft.com/office/drawing/2010/main" w="9525">
                   <a:solidFill>
                     <a:srgbClr val="000000"/>
                   </a:solidFill>
@@ -4172,7 +4462,7 @@
             </a:ln>
             <a:extLst>
               <a:ext uri="{91240B29-F687-4f45-9708-019B960494DF}">
-                <a14:hiddenLine xmlns:a14="http://schemas.microsoft.com/office/drawing/2010/main" xmlns="" w="9525">
+                <a14:hiddenLine xmlns="" xmlns:a14="http://schemas.microsoft.com/office/drawing/2010/main" w="9525">
                   <a:solidFill>
                     <a:srgbClr val="000000"/>
                   </a:solidFill>
@@ -4237,7 +4527,7 @@
             </a:ln>
             <a:extLst>
               <a:ext uri="{91240B29-F687-4f45-9708-019B960494DF}">
-                <a14:hiddenLine xmlns:a14="http://schemas.microsoft.com/office/drawing/2010/main" xmlns="" w="9525">
+                <a14:hiddenLine xmlns="" xmlns:a14="http://schemas.microsoft.com/office/drawing/2010/main" w="9525">
                   <a:solidFill>
                     <a:srgbClr val="000000"/>
                   </a:solidFill>
@@ -4327,7 +4617,7 @@
             </a:ln>
             <a:extLst>
               <a:ext uri="{91240B29-F687-4f45-9708-019B960494DF}">
-                <a14:hiddenLine xmlns:a14="http://schemas.microsoft.com/office/drawing/2010/main" xmlns="" w="9525">
+                <a14:hiddenLine xmlns="" xmlns:a14="http://schemas.microsoft.com/office/drawing/2010/main" w="9525">
                   <a:solidFill>
                     <a:srgbClr val="000000"/>
                   </a:solidFill>
@@ -4389,7 +4679,7 @@
             </a:ln>
             <a:extLst>
               <a:ext uri="{91240B29-F687-4f45-9708-019B960494DF}">
-                <a14:hiddenLine xmlns:a14="http://schemas.microsoft.com/office/drawing/2010/main" xmlns="" w="9525">
+                <a14:hiddenLine xmlns="" xmlns:a14="http://schemas.microsoft.com/office/drawing/2010/main" w="9525">
                   <a:solidFill>
                     <a:srgbClr val="000000"/>
                   </a:solidFill>
@@ -4479,7 +4769,7 @@
             </a:ln>
             <a:extLst>
               <a:ext uri="{91240B29-F687-4f45-9708-019B960494DF}">
-                <a14:hiddenLine xmlns:a14="http://schemas.microsoft.com/office/drawing/2010/main" xmlns="" w="9525">
+                <a14:hiddenLine xmlns="" xmlns:a14="http://schemas.microsoft.com/office/drawing/2010/main" w="9525">
                   <a:solidFill>
                     <a:srgbClr val="000000"/>
                   </a:solidFill>
@@ -4569,7 +4859,7 @@
             </a:ln>
             <a:extLst>
               <a:ext uri="{91240B29-F687-4f45-9708-019B960494DF}">
-                <a14:hiddenLine xmlns:a14="http://schemas.microsoft.com/office/drawing/2010/main" xmlns="" w="9525">
+                <a14:hiddenLine xmlns="" xmlns:a14="http://schemas.microsoft.com/office/drawing/2010/main" w="9525">
                   <a:solidFill>
                     <a:srgbClr val="000000"/>
                   </a:solidFill>
@@ -4634,7 +4924,7 @@
             </a:ln>
             <a:extLst>
               <a:ext uri="{91240B29-F687-4f45-9708-019B960494DF}">
-                <a14:hiddenLine xmlns:a14="http://schemas.microsoft.com/office/drawing/2010/main" xmlns="" w="9525">
+                <a14:hiddenLine xmlns="" xmlns:a14="http://schemas.microsoft.com/office/drawing/2010/main" w="9525">
                   <a:solidFill>
                     <a:srgbClr val="000000"/>
                   </a:solidFill>
@@ -4696,7 +4986,7 @@
             </a:ln>
             <a:extLst>
               <a:ext uri="{91240B29-F687-4f45-9708-019B960494DF}">
-                <a14:hiddenLine xmlns:a14="http://schemas.microsoft.com/office/drawing/2010/main" xmlns="" w="9525">
+                <a14:hiddenLine xmlns="" xmlns:a14="http://schemas.microsoft.com/office/drawing/2010/main" w="9525">
                   <a:solidFill>
                     <a:srgbClr val="000000"/>
                   </a:solidFill>
@@ -4786,7 +5076,7 @@
             </a:ln>
             <a:extLst>
               <a:ext uri="{91240B29-F687-4f45-9708-019B960494DF}">
-                <a14:hiddenLine xmlns:a14="http://schemas.microsoft.com/office/drawing/2010/main" xmlns="" w="9525">
+                <a14:hiddenLine xmlns="" xmlns:a14="http://schemas.microsoft.com/office/drawing/2010/main" w="9525">
                   <a:solidFill>
                     <a:srgbClr val="000000"/>
                   </a:solidFill>
@@ -4876,7 +5166,7 @@
             </a:ln>
             <a:extLst>
               <a:ext uri="{91240B29-F687-4f45-9708-019B960494DF}">
-                <a14:hiddenLine xmlns:a14="http://schemas.microsoft.com/office/drawing/2010/main" xmlns="" w="9525">
+                <a14:hiddenLine xmlns="" xmlns:a14="http://schemas.microsoft.com/office/drawing/2010/main" w="9525">
                   <a:solidFill>
                     <a:srgbClr val="000000"/>
                   </a:solidFill>
@@ -4938,7 +5228,7 @@
             </a:ln>
             <a:extLst>
               <a:ext uri="{91240B29-F687-4f45-9708-019B960494DF}">
-                <a14:hiddenLine xmlns:a14="http://schemas.microsoft.com/office/drawing/2010/main" xmlns="" w="9525">
+                <a14:hiddenLine xmlns="" xmlns:a14="http://schemas.microsoft.com/office/drawing/2010/main" w="9525">
                   <a:solidFill>
                     <a:srgbClr val="000000"/>
                   </a:solidFill>
@@ -5058,7 +5348,7 @@
             </a:ln>
             <a:extLst>
               <a:ext uri="{91240B29-F687-4f45-9708-019B960494DF}">
-                <a14:hiddenLine xmlns:a14="http://schemas.microsoft.com/office/drawing/2010/main" xmlns="" w="9525">
+                <a14:hiddenLine xmlns="" xmlns:a14="http://schemas.microsoft.com/office/drawing/2010/main" w="9525">
                   <a:solidFill>
                     <a:srgbClr val="000000"/>
                   </a:solidFill>
@@ -5126,7 +5416,7 @@
             </a:ln>
             <a:extLst>
               <a:ext uri="{91240B29-F687-4f45-9708-019B960494DF}">
-                <a14:hiddenLine xmlns:a14="http://schemas.microsoft.com/office/drawing/2010/main" xmlns="" w="9525">
+                <a14:hiddenLine xmlns="" xmlns:a14="http://schemas.microsoft.com/office/drawing/2010/main" w="9525">
                   <a:solidFill>
                     <a:srgbClr val="000000"/>
                   </a:solidFill>
@@ -5216,7 +5506,7 @@
             </a:ln>
             <a:extLst>
               <a:ext uri="{91240B29-F687-4f45-9708-019B960494DF}">
-                <a14:hiddenLine xmlns:a14="http://schemas.microsoft.com/office/drawing/2010/main" xmlns="" w="9525">
+                <a14:hiddenLine xmlns="" xmlns:a14="http://schemas.microsoft.com/office/drawing/2010/main" w="9525">
                   <a:solidFill>
                     <a:srgbClr val="000000"/>
                   </a:solidFill>
@@ -10030,7 +10320,7 @@
           <a:noFill/>
           <a:extLst>
             <a:ext uri="{909E8E84-426E-40dd-AFC4-6F175D3DCCD1}">
-              <a14:hiddenFill xmlns:a14="http://schemas.microsoft.com/office/drawing/2010/main" xmlns="">
+              <a14:hiddenFill xmlns="" xmlns:a14="http://schemas.microsoft.com/office/drawing/2010/main">
                 <a:solidFill>
                   <a:srgbClr val="FFFFFF"/>
                 </a:solidFill>
@@ -10104,7 +10394,7 @@
               </a:ln>
               <a:extLst>
                 <a:ext uri="{91240B29-F687-4f45-9708-019B960494DF}">
-                  <a14:hiddenLine xmlns:a14="http://schemas.microsoft.com/office/drawing/2010/main" xmlns="" w="9525">
+                  <a14:hiddenLine xmlns="" xmlns:a14="http://schemas.microsoft.com/office/drawing/2010/main" w="9525">
                     <a:solidFill>
                       <a:srgbClr val="000000"/>
                     </a:solidFill>
@@ -10194,7 +10484,7 @@
               </a:ln>
               <a:extLst>
                 <a:ext uri="{91240B29-F687-4f45-9708-019B960494DF}">
-                  <a14:hiddenLine xmlns:a14="http://schemas.microsoft.com/office/drawing/2010/main" xmlns="" w="9525">
+                  <a14:hiddenLine xmlns="" xmlns:a14="http://schemas.microsoft.com/office/drawing/2010/main" w="9525">
                     <a:solidFill>
                       <a:srgbClr val="000000"/>
                     </a:solidFill>
@@ -10284,7 +10574,7 @@
               </a:ln>
               <a:extLst>
                 <a:ext uri="{91240B29-F687-4f45-9708-019B960494DF}">
-                  <a14:hiddenLine xmlns:a14="http://schemas.microsoft.com/office/drawing/2010/main" xmlns="" w="9525">
+                  <a14:hiddenLine xmlns="" xmlns:a14="http://schemas.microsoft.com/office/drawing/2010/main" w="9525">
                     <a:solidFill>
                       <a:srgbClr val="000000"/>
                     </a:solidFill>
@@ -10346,7 +10636,7 @@
               </a:ln>
               <a:extLst>
                 <a:ext uri="{91240B29-F687-4f45-9708-019B960494DF}">
-                  <a14:hiddenLine xmlns:a14="http://schemas.microsoft.com/office/drawing/2010/main" xmlns="" w="9525">
+                  <a14:hiddenLine xmlns="" xmlns:a14="http://schemas.microsoft.com/office/drawing/2010/main" w="9525">
                     <a:solidFill>
                       <a:srgbClr val="000000"/>
                     </a:solidFill>
@@ -10436,7 +10726,7 @@
               </a:ln>
               <a:extLst>
                 <a:ext uri="{91240B29-F687-4f45-9708-019B960494DF}">
-                  <a14:hiddenLine xmlns:a14="http://schemas.microsoft.com/office/drawing/2010/main" xmlns="" w="9525">
+                  <a14:hiddenLine xmlns="" xmlns:a14="http://schemas.microsoft.com/office/drawing/2010/main" w="9525">
                     <a:solidFill>
                       <a:srgbClr val="000000"/>
                     </a:solidFill>
@@ -10498,7 +10788,7 @@
               </a:ln>
               <a:extLst>
                 <a:ext uri="{91240B29-F687-4f45-9708-019B960494DF}">
-                  <a14:hiddenLine xmlns:a14="http://schemas.microsoft.com/office/drawing/2010/main" xmlns="" w="9525">
+                  <a14:hiddenLine xmlns="" xmlns:a14="http://schemas.microsoft.com/office/drawing/2010/main" w="9525">
                     <a:solidFill>
                       <a:srgbClr val="000000"/>
                     </a:solidFill>
@@ -10560,7 +10850,7 @@
               </a:ln>
               <a:extLst>
                 <a:ext uri="{91240B29-F687-4f45-9708-019B960494DF}">
-                  <a14:hiddenLine xmlns:a14="http://schemas.microsoft.com/office/drawing/2010/main" xmlns="" w="9525">
+                  <a14:hiddenLine xmlns="" xmlns:a14="http://schemas.microsoft.com/office/drawing/2010/main" w="9525">
                     <a:solidFill>
                       <a:srgbClr val="000000"/>
                     </a:solidFill>
@@ -10650,7 +10940,7 @@
               </a:ln>
               <a:extLst>
                 <a:ext uri="{91240B29-F687-4f45-9708-019B960494DF}">
-                  <a14:hiddenLine xmlns:a14="http://schemas.microsoft.com/office/drawing/2010/main" xmlns="" w="9525">
+                  <a14:hiddenLine xmlns="" xmlns:a14="http://schemas.microsoft.com/office/drawing/2010/main" w="9525">
                     <a:solidFill>
                       <a:srgbClr val="000000"/>
                     </a:solidFill>
@@ -10740,7 +11030,7 @@
               </a:ln>
               <a:extLst>
                 <a:ext uri="{91240B29-F687-4f45-9708-019B960494DF}">
-                  <a14:hiddenLine xmlns:a14="http://schemas.microsoft.com/office/drawing/2010/main" xmlns="" w="9525">
+                  <a14:hiddenLine xmlns="" xmlns:a14="http://schemas.microsoft.com/office/drawing/2010/main" w="9525">
                     <a:solidFill>
                       <a:srgbClr val="000000"/>
                     </a:solidFill>
@@ -10802,7 +11092,7 @@
               </a:ln>
               <a:extLst>
                 <a:ext uri="{91240B29-F687-4f45-9708-019B960494DF}">
-                  <a14:hiddenLine xmlns:a14="http://schemas.microsoft.com/office/drawing/2010/main" xmlns="" w="9525">
+                  <a14:hiddenLine xmlns="" xmlns:a14="http://schemas.microsoft.com/office/drawing/2010/main" w="9525">
                     <a:solidFill>
                       <a:srgbClr val="000000"/>
                     </a:solidFill>
@@ -10912,7 +11202,7 @@
               </a:ln>
               <a:extLst>
                 <a:ext uri="{91240B29-F687-4f45-9708-019B960494DF}">
-                  <a14:hiddenLine xmlns:a14="http://schemas.microsoft.com/office/drawing/2010/main" xmlns="" w="9525">
+                  <a14:hiddenLine xmlns="" xmlns:a14="http://schemas.microsoft.com/office/drawing/2010/main" w="9525">
                     <a:solidFill>
                       <a:srgbClr val="000000"/>
                     </a:solidFill>
@@ -10996,7 +11286,7 @@
               </a:ln>
               <a:extLst>
                 <a:ext uri="{91240B29-F687-4f45-9708-019B960494DF}">
-                  <a14:hiddenLine xmlns:a14="http://schemas.microsoft.com/office/drawing/2010/main" xmlns="" w="9525">
+                  <a14:hiddenLine xmlns="" xmlns:a14="http://schemas.microsoft.com/office/drawing/2010/main" w="9525">
                     <a:solidFill>
                       <a:srgbClr val="000000"/>
                     </a:solidFill>
@@ -11058,7 +11348,7 @@
               </a:ln>
               <a:extLst>
                 <a:ext uri="{91240B29-F687-4f45-9708-019B960494DF}">
-                  <a14:hiddenLine xmlns:a14="http://schemas.microsoft.com/office/drawing/2010/main" xmlns="" w="9525">
+                  <a14:hiddenLine xmlns="" xmlns:a14="http://schemas.microsoft.com/office/drawing/2010/main" w="9525">
                     <a:solidFill>
                       <a:srgbClr val="000000"/>
                     </a:solidFill>
@@ -11120,7 +11410,7 @@
               </a:ln>
               <a:extLst>
                 <a:ext uri="{91240B29-F687-4f45-9708-019B960494DF}">
-                  <a14:hiddenLine xmlns:a14="http://schemas.microsoft.com/office/drawing/2010/main" xmlns="" w="9525">
+                  <a14:hiddenLine xmlns="" xmlns:a14="http://schemas.microsoft.com/office/drawing/2010/main" w="9525">
                     <a:solidFill>
                       <a:srgbClr val="000000"/>
                     </a:solidFill>
@@ -11210,7 +11500,7 @@
               </a:ln>
               <a:extLst>
                 <a:ext uri="{91240B29-F687-4f45-9708-019B960494DF}">
-                  <a14:hiddenLine xmlns:a14="http://schemas.microsoft.com/office/drawing/2010/main" xmlns="" w="9525">
+                  <a14:hiddenLine xmlns="" xmlns:a14="http://schemas.microsoft.com/office/drawing/2010/main" w="9525">
                     <a:solidFill>
                       <a:srgbClr val="000000"/>
                     </a:solidFill>
@@ -11244,7 +11534,7 @@
               </a:ln>
               <a:extLst>
                 <a:ext uri="{91240B29-F687-4f45-9708-019B960494DF}">
-                  <a14:hiddenLine xmlns:a14="http://schemas.microsoft.com/office/drawing/2010/main" xmlns="" w="9525">
+                  <a14:hiddenLine xmlns="" xmlns:a14="http://schemas.microsoft.com/office/drawing/2010/main" w="9525">
                     <a:solidFill>
                       <a:srgbClr val="000000"/>
                     </a:solidFill>
@@ -11309,7 +11599,7 @@
               </a:ln>
               <a:extLst>
                 <a:ext uri="{91240B29-F687-4f45-9708-019B960494DF}">
-                  <a14:hiddenLine xmlns:a14="http://schemas.microsoft.com/office/drawing/2010/main" xmlns="" w="9525">
+                  <a14:hiddenLine xmlns="" xmlns:a14="http://schemas.microsoft.com/office/drawing/2010/main" w="9525">
                     <a:solidFill>
                       <a:srgbClr val="000000"/>
                     </a:solidFill>
@@ -11399,7 +11689,7 @@
               </a:ln>
               <a:extLst>
                 <a:ext uri="{91240B29-F687-4f45-9708-019B960494DF}">
-                  <a14:hiddenLine xmlns:a14="http://schemas.microsoft.com/office/drawing/2010/main" xmlns="" w="9525">
+                  <a14:hiddenLine xmlns="" xmlns:a14="http://schemas.microsoft.com/office/drawing/2010/main" w="9525">
                     <a:solidFill>
                       <a:srgbClr val="000000"/>
                     </a:solidFill>
@@ -11461,7 +11751,7 @@
               </a:ln>
               <a:extLst>
                 <a:ext uri="{91240B29-F687-4f45-9708-019B960494DF}">
-                  <a14:hiddenLine xmlns:a14="http://schemas.microsoft.com/office/drawing/2010/main" xmlns="" w="9525">
+                  <a14:hiddenLine xmlns="" xmlns:a14="http://schemas.microsoft.com/office/drawing/2010/main" w="9525">
                     <a:solidFill>
                       <a:srgbClr val="000000"/>
                     </a:solidFill>
@@ -11551,7 +11841,7 @@
               </a:ln>
               <a:extLst>
                 <a:ext uri="{91240B29-F687-4f45-9708-019B960494DF}">
-                  <a14:hiddenLine xmlns:a14="http://schemas.microsoft.com/office/drawing/2010/main" xmlns="" w="9525">
+                  <a14:hiddenLine xmlns="" xmlns:a14="http://schemas.microsoft.com/office/drawing/2010/main" w="9525">
                     <a:solidFill>
                       <a:srgbClr val="000000"/>
                     </a:solidFill>
@@ -11616,7 +11906,7 @@
               </a:ln>
               <a:extLst>
                 <a:ext uri="{91240B29-F687-4f45-9708-019B960494DF}">
-                  <a14:hiddenLine xmlns:a14="http://schemas.microsoft.com/office/drawing/2010/main" xmlns="" w="9525">
+                  <a14:hiddenLine xmlns="" xmlns:a14="http://schemas.microsoft.com/office/drawing/2010/main" w="9525">
                     <a:solidFill>
                       <a:srgbClr val="000000"/>
                     </a:solidFill>
@@ -11678,7 +11968,7 @@
               </a:ln>
               <a:extLst>
                 <a:ext uri="{91240B29-F687-4f45-9708-019B960494DF}">
-                  <a14:hiddenLine xmlns:a14="http://schemas.microsoft.com/office/drawing/2010/main" xmlns="" w="9525">
+                  <a14:hiddenLine xmlns="" xmlns:a14="http://schemas.microsoft.com/office/drawing/2010/main" w="9525">
                     <a:solidFill>
                       <a:srgbClr val="000000"/>
                     </a:solidFill>
@@ -11768,7 +12058,7 @@
               </a:ln>
               <a:extLst>
                 <a:ext uri="{91240B29-F687-4f45-9708-019B960494DF}">
-                  <a14:hiddenLine xmlns:a14="http://schemas.microsoft.com/office/drawing/2010/main" xmlns="" w="9525">
+                  <a14:hiddenLine xmlns="" xmlns:a14="http://schemas.microsoft.com/office/drawing/2010/main" w="9525">
                     <a:solidFill>
                       <a:srgbClr val="000000"/>
                     </a:solidFill>
@@ -11858,7 +12148,7 @@
               </a:ln>
               <a:extLst>
                 <a:ext uri="{91240B29-F687-4f45-9708-019B960494DF}">
-                  <a14:hiddenLine xmlns:a14="http://schemas.microsoft.com/office/drawing/2010/main" xmlns="" w="9525">
+                  <a14:hiddenLine xmlns="" xmlns:a14="http://schemas.microsoft.com/office/drawing/2010/main" w="9525">
                     <a:solidFill>
                       <a:srgbClr val="000000"/>
                     </a:solidFill>
@@ -11923,7 +12213,7 @@
               </a:ln>
               <a:extLst>
                 <a:ext uri="{91240B29-F687-4f45-9708-019B960494DF}">
-                  <a14:hiddenLine xmlns:a14="http://schemas.microsoft.com/office/drawing/2010/main" xmlns="" w="9525">
+                  <a14:hiddenLine xmlns="" xmlns:a14="http://schemas.microsoft.com/office/drawing/2010/main" w="9525">
                     <a:solidFill>
                       <a:srgbClr val="000000"/>
                     </a:solidFill>
@@ -12043,7 +12333,7 @@
               </a:ln>
               <a:extLst>
                 <a:ext uri="{91240B29-F687-4f45-9708-019B960494DF}">
-                  <a14:hiddenLine xmlns:a14="http://schemas.microsoft.com/office/drawing/2010/main" xmlns="" w="9525">
+                  <a14:hiddenLine xmlns="" xmlns:a14="http://schemas.microsoft.com/office/drawing/2010/main" w="9525">
                     <a:solidFill>
                       <a:srgbClr val="000000"/>
                     </a:solidFill>
@@ -12124,7 +12414,7 @@
               </a:ln>
               <a:extLst>
                 <a:ext uri="{91240B29-F687-4f45-9708-019B960494DF}">
-                  <a14:hiddenLine xmlns:a14="http://schemas.microsoft.com/office/drawing/2010/main" xmlns="" w="9525">
+                  <a14:hiddenLine xmlns="" xmlns:a14="http://schemas.microsoft.com/office/drawing/2010/main" w="9525">
                     <a:solidFill>
                       <a:srgbClr val="000000"/>
                     </a:solidFill>
@@ -12239,7 +12529,7 @@
               </a:ln>
               <a:extLst>
                 <a:ext uri="{91240B29-F687-4f45-9708-019B960494DF}">
-                  <a14:hiddenLine xmlns:a14="http://schemas.microsoft.com/office/drawing/2010/main" xmlns="" w="9525">
+                  <a14:hiddenLine xmlns="" xmlns:a14="http://schemas.microsoft.com/office/drawing/2010/main" w="9525">
                     <a:solidFill>
                       <a:srgbClr val="000000"/>
                     </a:solidFill>
@@ -12329,7 +12619,7 @@
               </a:ln>
               <a:extLst>
                 <a:ext uri="{91240B29-F687-4f45-9708-019B960494DF}">
-                  <a14:hiddenLine xmlns:a14="http://schemas.microsoft.com/office/drawing/2010/main" xmlns="" w="9525">
+                  <a14:hiddenLine xmlns="" xmlns:a14="http://schemas.microsoft.com/office/drawing/2010/main" w="9525">
                     <a:solidFill>
                       <a:srgbClr val="000000"/>
                     </a:solidFill>
@@ -12394,7 +12684,7 @@
               </a:ln>
               <a:extLst>
                 <a:ext uri="{91240B29-F687-4f45-9708-019B960494DF}">
-                  <a14:hiddenLine xmlns:a14="http://schemas.microsoft.com/office/drawing/2010/main" xmlns="" w="9525">
+                  <a14:hiddenLine xmlns="" xmlns:a14="http://schemas.microsoft.com/office/drawing/2010/main" w="9525">
                     <a:solidFill>
                       <a:srgbClr val="000000"/>
                     </a:solidFill>
@@ -12484,7 +12774,7 @@
               </a:ln>
               <a:extLst>
                 <a:ext uri="{91240B29-F687-4f45-9708-019B960494DF}">
-                  <a14:hiddenLine xmlns:a14="http://schemas.microsoft.com/office/drawing/2010/main" xmlns="" w="9525">
+                  <a14:hiddenLine xmlns="" xmlns:a14="http://schemas.microsoft.com/office/drawing/2010/main" w="9525">
                     <a:solidFill>
                       <a:srgbClr val="000000"/>
                     </a:solidFill>
@@ -12552,7 +12842,7 @@
               </a:ln>
               <a:extLst>
                 <a:ext uri="{91240B29-F687-4f45-9708-019B960494DF}">
-                  <a14:hiddenLine xmlns:a14="http://schemas.microsoft.com/office/drawing/2010/main" xmlns="" w="9525">
+                  <a14:hiddenLine xmlns="" xmlns:a14="http://schemas.microsoft.com/office/drawing/2010/main" w="9525">
                     <a:solidFill>
                       <a:srgbClr val="000000"/>
                     </a:solidFill>
@@ -12642,7 +12932,7 @@
               </a:ln>
               <a:extLst>
                 <a:ext uri="{91240B29-F687-4f45-9708-019B960494DF}">
-                  <a14:hiddenLine xmlns:a14="http://schemas.microsoft.com/office/drawing/2010/main" xmlns="" w="9525">
+                  <a14:hiddenLine xmlns="" xmlns:a14="http://schemas.microsoft.com/office/drawing/2010/main" w="9525">
                     <a:solidFill>
                       <a:srgbClr val="000000"/>
                     </a:solidFill>
@@ -12710,7 +13000,7 @@
               </a:ln>
               <a:extLst>
                 <a:ext uri="{91240B29-F687-4f45-9708-019B960494DF}">
-                  <a14:hiddenLine xmlns:a14="http://schemas.microsoft.com/office/drawing/2010/main" xmlns="" w="9525">
+                  <a14:hiddenLine xmlns="" xmlns:a14="http://schemas.microsoft.com/office/drawing/2010/main" w="9525">
                     <a:solidFill>
                       <a:srgbClr val="000000"/>
                     </a:solidFill>
@@ -12800,7 +13090,7 @@
               </a:ln>
               <a:extLst>
                 <a:ext uri="{91240B29-F687-4f45-9708-019B960494DF}">
-                  <a14:hiddenLine xmlns:a14="http://schemas.microsoft.com/office/drawing/2010/main" xmlns="" w="9525">
+                  <a14:hiddenLine xmlns="" xmlns:a14="http://schemas.microsoft.com/office/drawing/2010/main" w="9525">
                     <a:solidFill>
                       <a:srgbClr val="000000"/>
                     </a:solidFill>
@@ -12834,7 +13124,7 @@
               </a:ln>
               <a:extLst>
                 <a:ext uri="{91240B29-F687-4f45-9708-019B960494DF}">
-                  <a14:hiddenLine xmlns:a14="http://schemas.microsoft.com/office/drawing/2010/main" xmlns="" w="9525">
+                  <a14:hiddenLine xmlns="" xmlns:a14="http://schemas.microsoft.com/office/drawing/2010/main" w="9525">
                     <a:solidFill>
                       <a:srgbClr val="000000"/>
                     </a:solidFill>
@@ -14577,7 +14867,7 @@
           <p:nvPr/>
         </p:nvPicPr>
         <p:blipFill>
-          <a:blip r:embed="rId2"/>
+          <a:blip r:embed="rId3"/>
           <a:stretch>
             <a:fillRect/>
           </a:stretch>
@@ -14643,7 +14933,7 @@
           <p:nvPr/>
         </p:nvPicPr>
         <p:blipFill>
-          <a:blip r:embed="rId3"/>
+          <a:blip r:embed="rId4"/>
           <a:stretch>
             <a:fillRect/>
           </a:stretch>
@@ -14722,7 +15012,7 @@
           <p:nvPr/>
         </p:nvPicPr>
         <p:blipFill rotWithShape="1">
-          <a:blip r:embed="rId4"/>
+          <a:blip r:embed="rId5"/>
           <a:srcRect r="17760"/>
           <a:stretch/>
         </p:blipFill>

--- a/Documentación/INSIRU_Pokemon_INSIRU.pptx
+++ b/Documentación/INSIRU_Pokemon_INSIRU.pptx
@@ -218,7 +218,7 @@
           <a:p>
             <a:fld id="{B1066B3B-7668-4B82-BC44-8E98A031E923}" type="datetimeFigureOut">
               <a:rPr lang="es-ES" smtClean="0"/>
-              <a:t>17/06/2023</a:t>
+              <a:t>18/06/2023</a:t>
             </a:fld>
             <a:endParaRPr lang="es-ES"/>
           </a:p>
@@ -1244,6 +1244,321 @@
           <a:bodyPr/>
           <a:lstStyle/>
           <a:p>
+            <a:r>
+              <a:rPr lang="es-ES" dirty="0"/>
+              <a:t>Selector Pokémon: Pokémon </a:t>
+            </a:r>
+            <a:r>
+              <a:rPr lang="es-ES" dirty="0" err="1"/>
+              <a:t>Insiru</a:t>
+            </a:r>
+            <a:r>
+              <a:rPr lang="es-ES" dirty="0"/>
+              <a:t> </a:t>
+            </a:r>
+            <a:r>
+              <a:rPr lang="es-ES" dirty="0" err="1"/>
+              <a:t>cuentamos</a:t>
+            </a:r>
+            <a:r>
+              <a:rPr lang="es-ES" dirty="0"/>
+              <a:t> con un selector de Pokémon que te </a:t>
+            </a:r>
+            <a:r>
+              <a:rPr lang="es-ES" dirty="0" err="1"/>
+              <a:t>permitira</a:t>
+            </a:r>
+            <a:r>
+              <a:rPr lang="es-ES" dirty="0"/>
+              <a:t> elegir tanto el Pokémon aliado como el enemigo, asi como indicar si son </a:t>
+            </a:r>
+            <a:r>
+              <a:rPr lang="es-ES" dirty="0" err="1"/>
+              <a:t>Shiny</a:t>
+            </a:r>
+            <a:r>
+              <a:rPr lang="es-ES" dirty="0"/>
+              <a:t> o no. Una vez que se tenga seleccionado los Pokémon le clicaremos sobre el botón de combate, para asi dar comienzo a la partida.</a:t>
+            </a:r>
+          </a:p>
+          <a:p>
+            <a:r>
+              <a:rPr lang="es-ES" dirty="0"/>
+              <a:t> </a:t>
+            </a:r>
+          </a:p>
+        </p:txBody>
+      </p:sp>
+      <p:sp>
+        <p:nvSpPr>
+          <p:cNvPr id="4" name="Marcador de número de diapositiva 3"/>
+          <p:cNvSpPr>
+            <a:spLocks noGrp="1"/>
+          </p:cNvSpPr>
+          <p:nvPr>
+            <p:ph type="sldNum" sz="quarter" idx="5"/>
+          </p:nvPr>
+        </p:nvSpPr>
+        <p:spPr/>
+        <p:txBody>
+          <a:bodyPr/>
+          <a:lstStyle/>
+          <a:p>
+            <a:fld id="{8E386239-2447-4A63-8313-0CBA5825B84B}" type="slidenum">
+              <a:rPr lang="es-ES" smtClean="0"/>
+              <a:t>7</a:t>
+            </a:fld>
+            <a:endParaRPr lang="es-ES"/>
+          </a:p>
+        </p:txBody>
+      </p:sp>
+    </p:spTree>
+    <p:extLst>
+      <p:ext uri="{BB962C8B-B14F-4D97-AF65-F5344CB8AC3E}">
+        <p14:creationId xmlns:p14="http://schemas.microsoft.com/office/powerpoint/2010/main" val="570170679"/>
+      </p:ext>
+    </p:extLst>
+  </p:cSld>
+  <p:clrMapOvr>
+    <a:masterClrMapping/>
+  </p:clrMapOvr>
+</p:notes>
+</file>
+
+<file path=ppt/notesSlides/notesSlide6.xml><?xml version="1.0" encoding="utf-8"?>
+<p:notes xmlns:a="http://schemas.openxmlformats.org/drawingml/2006/main" xmlns:r="http://schemas.openxmlformats.org/officeDocument/2006/relationships" xmlns:p="http://schemas.openxmlformats.org/presentationml/2006/main">
+  <p:cSld>
+    <p:spTree>
+      <p:nvGrpSpPr>
+        <p:cNvPr id="1" name=""/>
+        <p:cNvGrpSpPr/>
+        <p:nvPr/>
+      </p:nvGrpSpPr>
+      <p:grpSpPr>
+        <a:xfrm>
+          <a:off x="0" y="0"/>
+          <a:ext cx="0" cy="0"/>
+          <a:chOff x="0" y="0"/>
+          <a:chExt cx="0" cy="0"/>
+        </a:xfrm>
+      </p:grpSpPr>
+      <p:sp>
+        <p:nvSpPr>
+          <p:cNvPr id="2" name="Marcador de imagen de diapositiva 1"/>
+          <p:cNvSpPr>
+            <a:spLocks noGrp="1" noRot="1" noChangeAspect="1"/>
+          </p:cNvSpPr>
+          <p:nvPr>
+            <p:ph type="sldImg"/>
+          </p:nvPr>
+        </p:nvSpPr>
+        <p:spPr/>
+      </p:sp>
+      <p:sp>
+        <p:nvSpPr>
+          <p:cNvPr id="3" name="Marcador de notas 2"/>
+          <p:cNvSpPr>
+            <a:spLocks noGrp="1"/>
+          </p:cNvSpPr>
+          <p:nvPr>
+            <p:ph type="body" idx="1"/>
+          </p:nvPr>
+        </p:nvSpPr>
+        <p:spPr/>
+        <p:txBody>
+          <a:bodyPr/>
+          <a:lstStyle/>
+          <a:p>
+            <a:r>
+              <a:rPr lang="es-ES" dirty="0"/>
+              <a:t>Funcionalidad de la aplicación: En la pantalla de combate se mostrará una interfaz que indicará tanto la barra de vida de nuestro Pokémon como la del enemigo. En la parte inferior de la pantalla de combate, se encontrarán las cuatro habilidades de nuestro Pokémon, lo que nos permitirá interactuar y elegir nuestras acciones durante la pelea. Además, un poco más abajo, habrá un botón que nos permitirá rendirnos, proporcionando una opción para abandonar la batalla. Hay que tener </a:t>
+            </a:r>
+            <a:r>
+              <a:rPr lang="es-ES" dirty="0" err="1"/>
+              <a:t>encuenta</a:t>
+            </a:r>
+            <a:r>
+              <a:rPr lang="es-ES" dirty="0"/>
+              <a:t> que para poder visualizar el botón de rendición, deberemos que activarlo clicando en el botón </a:t>
+            </a:r>
+            <a:r>
+              <a:rPr lang="es-ES" dirty="0" err="1"/>
+              <a:t>start</a:t>
+            </a:r>
+            <a:r>
+              <a:rPr lang="es-ES" dirty="0"/>
+              <a:t>, el cual se encuentra en el lado derecho de la parte inferior.</a:t>
+            </a:r>
+          </a:p>
+        </p:txBody>
+      </p:sp>
+      <p:sp>
+        <p:nvSpPr>
+          <p:cNvPr id="4" name="Marcador de número de diapositiva 3"/>
+          <p:cNvSpPr>
+            <a:spLocks noGrp="1"/>
+          </p:cNvSpPr>
+          <p:nvPr>
+            <p:ph type="sldNum" sz="quarter" idx="5"/>
+          </p:nvPr>
+        </p:nvSpPr>
+        <p:spPr/>
+        <p:txBody>
+          <a:bodyPr/>
+          <a:lstStyle/>
+          <a:p>
+            <a:fld id="{8E386239-2447-4A63-8313-0CBA5825B84B}" type="slidenum">
+              <a:rPr lang="es-ES" smtClean="0"/>
+              <a:t>8</a:t>
+            </a:fld>
+            <a:endParaRPr lang="es-ES"/>
+          </a:p>
+        </p:txBody>
+      </p:sp>
+    </p:spTree>
+    <p:extLst>
+      <p:ext uri="{BB962C8B-B14F-4D97-AF65-F5344CB8AC3E}">
+        <p14:creationId xmlns:p14="http://schemas.microsoft.com/office/powerpoint/2010/main" val="4015230358"/>
+      </p:ext>
+    </p:extLst>
+  </p:cSld>
+  <p:clrMapOvr>
+    <a:masterClrMapping/>
+  </p:clrMapOvr>
+</p:notes>
+</file>
+
+<file path=ppt/notesSlides/notesSlide7.xml><?xml version="1.0" encoding="utf-8"?>
+<p:notes xmlns:a="http://schemas.openxmlformats.org/drawingml/2006/main" xmlns:r="http://schemas.openxmlformats.org/officeDocument/2006/relationships" xmlns:p="http://schemas.openxmlformats.org/presentationml/2006/main">
+  <p:cSld>
+    <p:spTree>
+      <p:nvGrpSpPr>
+        <p:cNvPr id="1" name=""/>
+        <p:cNvGrpSpPr/>
+        <p:nvPr/>
+      </p:nvGrpSpPr>
+      <p:grpSpPr>
+        <a:xfrm>
+          <a:off x="0" y="0"/>
+          <a:ext cx="0" cy="0"/>
+          <a:chOff x="0" y="0"/>
+          <a:chExt cx="0" cy="0"/>
+        </a:xfrm>
+      </p:grpSpPr>
+      <p:sp>
+        <p:nvSpPr>
+          <p:cNvPr id="2" name="Marcador de imagen de diapositiva 1"/>
+          <p:cNvSpPr>
+            <a:spLocks noGrp="1" noRot="1" noChangeAspect="1"/>
+          </p:cNvSpPr>
+          <p:nvPr>
+            <p:ph type="sldImg"/>
+          </p:nvPr>
+        </p:nvSpPr>
+        <p:spPr/>
+      </p:sp>
+      <p:sp>
+        <p:nvSpPr>
+          <p:cNvPr id="3" name="Marcador de notas 2"/>
+          <p:cNvSpPr>
+            <a:spLocks noGrp="1"/>
+          </p:cNvSpPr>
+          <p:nvPr>
+            <p:ph type="body" idx="1"/>
+          </p:nvPr>
+        </p:nvSpPr>
+        <p:spPr/>
+        <p:txBody>
+          <a:bodyPr/>
+          <a:lstStyle/>
+          <a:p>
+            <a:r>
+              <a:rPr lang="es-ES" dirty="0"/>
+              <a:t>Victoria o Derrota: En esta pantalla habrá dos posibilidades. La primera ocurrirá cuando hayamos derrotado al Pokémon enemigo, donde se nos mostrará una pantalla de victoria indicándonos que hemos ganado. Por otro lado, si el Pokémon rival nos ha vencido o si hemos decidido rendirnos, aparecerá una pantalla de derrota que nos indicara que hemos perdido. Tanto en la pantalla de victoria como en la de derrota, habrá un botón de revancha que podremos pulsar para regresar a la pantalla de selección de Pokémon y prepararnos para un nuevo combate.</a:t>
+            </a:r>
+          </a:p>
+        </p:txBody>
+      </p:sp>
+      <p:sp>
+        <p:nvSpPr>
+          <p:cNvPr id="4" name="Marcador de número de diapositiva 3"/>
+          <p:cNvSpPr>
+            <a:spLocks noGrp="1"/>
+          </p:cNvSpPr>
+          <p:nvPr>
+            <p:ph type="sldNum" sz="quarter" idx="5"/>
+          </p:nvPr>
+        </p:nvSpPr>
+        <p:spPr/>
+        <p:txBody>
+          <a:bodyPr/>
+          <a:lstStyle/>
+          <a:p>
+            <a:fld id="{8E386239-2447-4A63-8313-0CBA5825B84B}" type="slidenum">
+              <a:rPr lang="es-ES" smtClean="0"/>
+              <a:t>9</a:t>
+            </a:fld>
+            <a:endParaRPr lang="es-ES"/>
+          </a:p>
+        </p:txBody>
+      </p:sp>
+    </p:spTree>
+    <p:extLst>
+      <p:ext uri="{BB962C8B-B14F-4D97-AF65-F5344CB8AC3E}">
+        <p14:creationId xmlns:p14="http://schemas.microsoft.com/office/powerpoint/2010/main" val="4019617900"/>
+      </p:ext>
+    </p:extLst>
+  </p:cSld>
+  <p:clrMapOvr>
+    <a:masterClrMapping/>
+  </p:clrMapOvr>
+</p:notes>
+</file>
+
+<file path=ppt/notesSlides/notesSlide8.xml><?xml version="1.0" encoding="utf-8"?>
+<p:notes xmlns:a="http://schemas.openxmlformats.org/drawingml/2006/main" xmlns:r="http://schemas.openxmlformats.org/officeDocument/2006/relationships" xmlns:p="http://schemas.openxmlformats.org/presentationml/2006/main">
+  <p:cSld>
+    <p:spTree>
+      <p:nvGrpSpPr>
+        <p:cNvPr id="1" name=""/>
+        <p:cNvGrpSpPr/>
+        <p:nvPr/>
+      </p:nvGrpSpPr>
+      <p:grpSpPr>
+        <a:xfrm>
+          <a:off x="0" y="0"/>
+          <a:ext cx="0" cy="0"/>
+          <a:chOff x="0" y="0"/>
+          <a:chExt cx="0" cy="0"/>
+        </a:xfrm>
+      </p:grpSpPr>
+      <p:sp>
+        <p:nvSpPr>
+          <p:cNvPr id="2" name="Marcador de imagen de diapositiva 1"/>
+          <p:cNvSpPr>
+            <a:spLocks noGrp="1" noRot="1" noChangeAspect="1"/>
+          </p:cNvSpPr>
+          <p:nvPr>
+            <p:ph type="sldImg"/>
+          </p:nvPr>
+        </p:nvSpPr>
+        <p:spPr/>
+      </p:sp>
+      <p:sp>
+        <p:nvSpPr>
+          <p:cNvPr id="3" name="Marcador de notas 2"/>
+          <p:cNvSpPr>
+            <a:spLocks noGrp="1"/>
+          </p:cNvSpPr>
+          <p:nvPr>
+            <p:ph type="body" idx="1"/>
+          </p:nvPr>
+        </p:nvSpPr>
+        <p:spPr/>
+        <p:txBody>
+          <a:bodyPr/>
+          <a:lstStyle/>
+          <a:p>
             <a:pPr algn="l">
               <a:buFont typeface="Arial" panose="020B0604020202020204" pitchFamily="34" charset="0"/>
               <a:buChar char="•"/>
@@ -1421,7 +1736,7 @@
           <a:noFill/>
           <a:extLst>
             <a:ext uri="{909E8E84-426E-40dd-AFC4-6F175D3DCCD1}">
-              <a14:hiddenFill xmlns="" xmlns:a14="http://schemas.microsoft.com/office/drawing/2010/main">
+              <a14:hiddenFill xmlns:a14="http://schemas.microsoft.com/office/drawing/2010/main" xmlns="">
                 <a:solidFill>
                   <a:srgbClr val="FFFFFF"/>
                 </a:solidFill>
@@ -1480,7 +1795,7 @@
             </a:ln>
             <a:extLst>
               <a:ext uri="{91240B29-F687-4f45-9708-019B960494DF}">
-                <a14:hiddenLine xmlns="" xmlns:a14="http://schemas.microsoft.com/office/drawing/2010/main" w="9525">
+                <a14:hiddenLine xmlns:a14="http://schemas.microsoft.com/office/drawing/2010/main" xmlns="" w="9525">
                   <a:solidFill>
                     <a:srgbClr val="000000"/>
                   </a:solidFill>
@@ -1570,7 +1885,7 @@
             </a:ln>
             <a:extLst>
               <a:ext uri="{91240B29-F687-4f45-9708-019B960494DF}">
-                <a14:hiddenLine xmlns="" xmlns:a14="http://schemas.microsoft.com/office/drawing/2010/main" w="9525">
+                <a14:hiddenLine xmlns:a14="http://schemas.microsoft.com/office/drawing/2010/main" xmlns="" w="9525">
                   <a:solidFill>
                     <a:srgbClr val="000000"/>
                   </a:solidFill>
@@ -1660,7 +1975,7 @@
             </a:ln>
             <a:extLst>
               <a:ext uri="{91240B29-F687-4f45-9708-019B960494DF}">
-                <a14:hiddenLine xmlns="" xmlns:a14="http://schemas.microsoft.com/office/drawing/2010/main" w="9525">
+                <a14:hiddenLine xmlns:a14="http://schemas.microsoft.com/office/drawing/2010/main" xmlns="" w="9525">
                   <a:solidFill>
                     <a:srgbClr val="000000"/>
                   </a:solidFill>
@@ -1694,7 +2009,7 @@
             </a:ln>
             <a:extLst>
               <a:ext uri="{91240B29-F687-4f45-9708-019B960494DF}">
-                <a14:hiddenLine xmlns="" xmlns:a14="http://schemas.microsoft.com/office/drawing/2010/main" w="9525">
+                <a14:hiddenLine xmlns:a14="http://schemas.microsoft.com/office/drawing/2010/main" xmlns="" w="9525">
                   <a:solidFill>
                     <a:srgbClr val="000000"/>
                   </a:solidFill>
@@ -1784,7 +2099,7 @@
             </a:ln>
             <a:extLst>
               <a:ext uri="{91240B29-F687-4f45-9708-019B960494DF}">
-                <a14:hiddenLine xmlns="" xmlns:a14="http://schemas.microsoft.com/office/drawing/2010/main" w="9525">
+                <a14:hiddenLine xmlns:a14="http://schemas.microsoft.com/office/drawing/2010/main" xmlns="" w="9525">
                   <a:solidFill>
                     <a:srgbClr val="000000"/>
                   </a:solidFill>
@@ -1846,7 +2161,7 @@
             </a:ln>
             <a:extLst>
               <a:ext uri="{91240B29-F687-4f45-9708-019B960494DF}">
-                <a14:hiddenLine xmlns="" xmlns:a14="http://schemas.microsoft.com/office/drawing/2010/main" w="9525">
+                <a14:hiddenLine xmlns:a14="http://schemas.microsoft.com/office/drawing/2010/main" xmlns="" w="9525">
                   <a:solidFill>
                     <a:srgbClr val="000000"/>
                   </a:solidFill>
@@ -1908,7 +2223,7 @@
             </a:ln>
             <a:extLst>
               <a:ext uri="{91240B29-F687-4f45-9708-019B960494DF}">
-                <a14:hiddenLine xmlns="" xmlns:a14="http://schemas.microsoft.com/office/drawing/2010/main" w="9525">
+                <a14:hiddenLine xmlns:a14="http://schemas.microsoft.com/office/drawing/2010/main" xmlns="" w="9525">
                   <a:solidFill>
                     <a:srgbClr val="000000"/>
                   </a:solidFill>
@@ -1998,7 +2313,7 @@
             </a:ln>
             <a:extLst>
               <a:ext uri="{91240B29-F687-4f45-9708-019B960494DF}">
-                <a14:hiddenLine xmlns="" xmlns:a14="http://schemas.microsoft.com/office/drawing/2010/main" w="9525">
+                <a14:hiddenLine xmlns:a14="http://schemas.microsoft.com/office/drawing/2010/main" xmlns="" w="9525">
                   <a:solidFill>
                     <a:srgbClr val="000000"/>
                   </a:solidFill>
@@ -2060,7 +2375,7 @@
             </a:ln>
             <a:extLst>
               <a:ext uri="{91240B29-F687-4f45-9708-019B960494DF}">
-                <a14:hiddenLine xmlns="" xmlns:a14="http://schemas.microsoft.com/office/drawing/2010/main" w="9525">
+                <a14:hiddenLine xmlns:a14="http://schemas.microsoft.com/office/drawing/2010/main" xmlns="" w="9525">
                   <a:solidFill>
                     <a:srgbClr val="000000"/>
                   </a:solidFill>
@@ -2122,7 +2437,7 @@
             </a:ln>
             <a:extLst>
               <a:ext uri="{91240B29-F687-4f45-9708-019B960494DF}">
-                <a14:hiddenLine xmlns="" xmlns:a14="http://schemas.microsoft.com/office/drawing/2010/main" w="9525">
+                <a14:hiddenLine xmlns:a14="http://schemas.microsoft.com/office/drawing/2010/main" xmlns="" w="9525">
                   <a:solidFill>
                     <a:srgbClr val="000000"/>
                   </a:solidFill>
@@ -2212,7 +2527,7 @@
             </a:ln>
             <a:extLst>
               <a:ext uri="{91240B29-F687-4f45-9708-019B960494DF}">
-                <a14:hiddenLine xmlns="" xmlns:a14="http://schemas.microsoft.com/office/drawing/2010/main" w="9525">
+                <a14:hiddenLine xmlns:a14="http://schemas.microsoft.com/office/drawing/2010/main" xmlns="" w="9525">
                   <a:solidFill>
                     <a:srgbClr val="000000"/>
                   </a:solidFill>
@@ -2302,7 +2617,7 @@
             </a:ln>
             <a:extLst>
               <a:ext uri="{91240B29-F687-4f45-9708-019B960494DF}">
-                <a14:hiddenLine xmlns="" xmlns:a14="http://schemas.microsoft.com/office/drawing/2010/main" w="9525">
+                <a14:hiddenLine xmlns:a14="http://schemas.microsoft.com/office/drawing/2010/main" xmlns="" w="9525">
                   <a:solidFill>
                     <a:srgbClr val="000000"/>
                   </a:solidFill>
@@ -2364,7 +2679,7 @@
             </a:ln>
             <a:extLst>
               <a:ext uri="{91240B29-F687-4f45-9708-019B960494DF}">
-                <a14:hiddenLine xmlns="" xmlns:a14="http://schemas.microsoft.com/office/drawing/2010/main" w="9525">
+                <a14:hiddenLine xmlns:a14="http://schemas.microsoft.com/office/drawing/2010/main" xmlns="" w="9525">
                   <a:solidFill>
                     <a:srgbClr val="000000"/>
                   </a:solidFill>
@@ -2474,7 +2789,7 @@
             </a:ln>
             <a:extLst>
               <a:ext uri="{91240B29-F687-4f45-9708-019B960494DF}">
-                <a14:hiddenLine xmlns="" xmlns:a14="http://schemas.microsoft.com/office/drawing/2010/main" w="9525">
+                <a14:hiddenLine xmlns:a14="http://schemas.microsoft.com/office/drawing/2010/main" xmlns="" w="9525">
                   <a:solidFill>
                     <a:srgbClr val="000000"/>
                   </a:solidFill>
@@ -2536,7 +2851,7 @@
             </a:ln>
             <a:extLst>
               <a:ext uri="{91240B29-F687-4f45-9708-019B960494DF}">
-                <a14:hiddenLine xmlns="" xmlns:a14="http://schemas.microsoft.com/office/drawing/2010/main" w="9525">
+                <a14:hiddenLine xmlns:a14="http://schemas.microsoft.com/office/drawing/2010/main" xmlns="" w="9525">
                   <a:solidFill>
                     <a:srgbClr val="000000"/>
                   </a:solidFill>
@@ -2626,7 +2941,7 @@
             </a:ln>
             <a:extLst>
               <a:ext uri="{91240B29-F687-4f45-9708-019B960494DF}">
-                <a14:hiddenLine xmlns="" xmlns:a14="http://schemas.microsoft.com/office/drawing/2010/main" w="9525">
+                <a14:hiddenLine xmlns:a14="http://schemas.microsoft.com/office/drawing/2010/main" xmlns="" w="9525">
                   <a:solidFill>
                     <a:srgbClr val="000000"/>
                   </a:solidFill>
@@ -2716,7 +3031,7 @@
             </a:ln>
             <a:extLst>
               <a:ext uri="{91240B29-F687-4f45-9708-019B960494DF}">
-                <a14:hiddenLine xmlns="" xmlns:a14="http://schemas.microsoft.com/office/drawing/2010/main" w="9525">
+                <a14:hiddenLine xmlns:a14="http://schemas.microsoft.com/office/drawing/2010/main" xmlns="" w="9525">
                   <a:solidFill>
                     <a:srgbClr val="000000"/>
                   </a:solidFill>
@@ -2778,7 +3093,7 @@
             </a:ln>
             <a:extLst>
               <a:ext uri="{91240B29-F687-4f45-9708-019B960494DF}">
-                <a14:hiddenLine xmlns="" xmlns:a14="http://schemas.microsoft.com/office/drawing/2010/main" w="9525">
+                <a14:hiddenLine xmlns:a14="http://schemas.microsoft.com/office/drawing/2010/main" xmlns="" w="9525">
                   <a:solidFill>
                     <a:srgbClr val="000000"/>
                   </a:solidFill>
@@ -2868,7 +3183,7 @@
             </a:ln>
             <a:extLst>
               <a:ext uri="{91240B29-F687-4f45-9708-019B960494DF}">
-                <a14:hiddenLine xmlns="" xmlns:a14="http://schemas.microsoft.com/office/drawing/2010/main" w="9525">
+                <a14:hiddenLine xmlns:a14="http://schemas.microsoft.com/office/drawing/2010/main" xmlns="" w="9525">
                   <a:solidFill>
                     <a:srgbClr val="000000"/>
                   </a:solidFill>
@@ -2958,7 +3273,7 @@
             </a:ln>
             <a:extLst>
               <a:ext uri="{91240B29-F687-4f45-9708-019B960494DF}">
-                <a14:hiddenLine xmlns="" xmlns:a14="http://schemas.microsoft.com/office/drawing/2010/main" w="9525">
+                <a14:hiddenLine xmlns:a14="http://schemas.microsoft.com/office/drawing/2010/main" xmlns="" w="9525">
                   <a:solidFill>
                     <a:srgbClr val="000000"/>
                   </a:solidFill>
@@ -3014,7 +3329,7 @@
             </a:ln>
             <a:extLst>
               <a:ext uri="{91240B29-F687-4f45-9708-019B960494DF}">
-                <a14:hiddenLine xmlns="" xmlns:a14="http://schemas.microsoft.com/office/drawing/2010/main" w="9525">
+                <a14:hiddenLine xmlns:a14="http://schemas.microsoft.com/office/drawing/2010/main" xmlns="" w="9525">
                   <a:solidFill>
                     <a:srgbClr val="000000"/>
                   </a:solidFill>
@@ -3104,7 +3419,7 @@
             </a:ln>
             <a:extLst>
               <a:ext uri="{91240B29-F687-4f45-9708-019B960494DF}">
-                <a14:hiddenLine xmlns="" xmlns:a14="http://schemas.microsoft.com/office/drawing/2010/main" w="9525">
+                <a14:hiddenLine xmlns:a14="http://schemas.microsoft.com/office/drawing/2010/main" xmlns="" w="9525">
                   <a:solidFill>
                     <a:srgbClr val="000000"/>
                   </a:solidFill>
@@ -3160,7 +3475,7 @@
             </a:ln>
             <a:extLst>
               <a:ext uri="{91240B29-F687-4f45-9708-019B960494DF}">
-                <a14:hiddenLine xmlns="" xmlns:a14="http://schemas.microsoft.com/office/drawing/2010/main" w="9525">
+                <a14:hiddenLine xmlns:a14="http://schemas.microsoft.com/office/drawing/2010/main" xmlns="" w="9525">
                   <a:solidFill>
                     <a:srgbClr val="000000"/>
                   </a:solidFill>
@@ -3250,7 +3565,7 @@
             </a:ln>
             <a:extLst>
               <a:ext uri="{91240B29-F687-4f45-9708-019B960494DF}">
-                <a14:hiddenLine xmlns="" xmlns:a14="http://schemas.microsoft.com/office/drawing/2010/main" w="9525">
+                <a14:hiddenLine xmlns:a14="http://schemas.microsoft.com/office/drawing/2010/main" xmlns="" w="9525">
                   <a:solidFill>
                     <a:srgbClr val="000000"/>
                   </a:solidFill>
@@ -3318,7 +3633,7 @@
             </a:ln>
             <a:extLst>
               <a:ext uri="{91240B29-F687-4f45-9708-019B960494DF}">
-                <a14:hiddenLine xmlns="" xmlns:a14="http://schemas.microsoft.com/office/drawing/2010/main" w="9525">
+                <a14:hiddenLine xmlns:a14="http://schemas.microsoft.com/office/drawing/2010/main" xmlns="" w="9525">
                   <a:solidFill>
                     <a:srgbClr val="000000"/>
                   </a:solidFill>
@@ -3408,7 +3723,7 @@
             </a:ln>
             <a:extLst>
               <a:ext uri="{91240B29-F687-4f45-9708-019B960494DF}">
-                <a14:hiddenLine xmlns="" xmlns:a14="http://schemas.microsoft.com/office/drawing/2010/main" w="9525">
+                <a14:hiddenLine xmlns:a14="http://schemas.microsoft.com/office/drawing/2010/main" xmlns="" w="9525">
                   <a:solidFill>
                     <a:srgbClr val="000000"/>
                   </a:solidFill>
@@ -3476,7 +3791,7 @@
             </a:ln>
             <a:extLst>
               <a:ext uri="{91240B29-F687-4f45-9708-019B960494DF}">
-                <a14:hiddenLine xmlns="" xmlns:a14="http://schemas.microsoft.com/office/drawing/2010/main" w="9525">
+                <a14:hiddenLine xmlns:a14="http://schemas.microsoft.com/office/drawing/2010/main" xmlns="" w="9525">
                   <a:solidFill>
                     <a:srgbClr val="000000"/>
                   </a:solidFill>
@@ -3566,7 +3881,7 @@
             </a:ln>
             <a:extLst>
               <a:ext uri="{91240B29-F687-4f45-9708-019B960494DF}">
-                <a14:hiddenLine xmlns="" xmlns:a14="http://schemas.microsoft.com/office/drawing/2010/main" w="9525">
+                <a14:hiddenLine xmlns:a14="http://schemas.microsoft.com/office/drawing/2010/main" xmlns="" w="9525">
                   <a:solidFill>
                     <a:srgbClr val="000000"/>
                   </a:solidFill>
@@ -3600,7 +3915,7 @@
             </a:ln>
             <a:extLst>
               <a:ext uri="{91240B29-F687-4f45-9708-019B960494DF}">
-                <a14:hiddenLine xmlns="" xmlns:a14="http://schemas.microsoft.com/office/drawing/2010/main" w="9525">
+                <a14:hiddenLine xmlns:a14="http://schemas.microsoft.com/office/drawing/2010/main" xmlns="" w="9525">
                   <a:solidFill>
                     <a:srgbClr val="000000"/>
                   </a:solidFill>
@@ -3690,7 +4005,7 @@
             </a:ln>
             <a:extLst>
               <a:ext uri="{91240B29-F687-4f45-9708-019B960494DF}">
-                <a14:hiddenLine xmlns="" xmlns:a14="http://schemas.microsoft.com/office/drawing/2010/main" w="9525">
+                <a14:hiddenLine xmlns:a14="http://schemas.microsoft.com/office/drawing/2010/main" xmlns="" w="9525">
                   <a:solidFill>
                     <a:srgbClr val="000000"/>
                   </a:solidFill>
@@ -3752,7 +4067,7 @@
             </a:ln>
             <a:extLst>
               <a:ext uri="{91240B29-F687-4f45-9708-019B960494DF}">
-                <a14:hiddenLine xmlns="" xmlns:a14="http://schemas.microsoft.com/office/drawing/2010/main" w="9525">
+                <a14:hiddenLine xmlns:a14="http://schemas.microsoft.com/office/drawing/2010/main" xmlns="" w="9525">
                   <a:solidFill>
                     <a:srgbClr val="000000"/>
                   </a:solidFill>
@@ -3814,7 +4129,7 @@
             </a:ln>
             <a:extLst>
               <a:ext uri="{91240B29-F687-4f45-9708-019B960494DF}">
-                <a14:hiddenLine xmlns="" xmlns:a14="http://schemas.microsoft.com/office/drawing/2010/main" w="9525">
+                <a14:hiddenLine xmlns:a14="http://schemas.microsoft.com/office/drawing/2010/main" xmlns="" w="9525">
                   <a:solidFill>
                     <a:srgbClr val="000000"/>
                   </a:solidFill>
@@ -3904,7 +4219,7 @@
             </a:ln>
             <a:extLst>
               <a:ext uri="{91240B29-F687-4f45-9708-019B960494DF}">
-                <a14:hiddenLine xmlns="" xmlns:a14="http://schemas.microsoft.com/office/drawing/2010/main" w="9525">
+                <a14:hiddenLine xmlns:a14="http://schemas.microsoft.com/office/drawing/2010/main" xmlns="" w="9525">
                   <a:solidFill>
                     <a:srgbClr val="000000"/>
                   </a:solidFill>
@@ -3972,7 +4287,7 @@
             </a:ln>
             <a:extLst>
               <a:ext uri="{91240B29-F687-4f45-9708-019B960494DF}">
-                <a14:hiddenLine xmlns="" xmlns:a14="http://schemas.microsoft.com/office/drawing/2010/main" w="9525">
+                <a14:hiddenLine xmlns:a14="http://schemas.microsoft.com/office/drawing/2010/main" xmlns="" w="9525">
                   <a:solidFill>
                     <a:srgbClr val="000000"/>
                   </a:solidFill>
@@ -4034,7 +4349,7 @@
             </a:ln>
             <a:extLst>
               <a:ext uri="{91240B29-F687-4f45-9708-019B960494DF}">
-                <a14:hiddenLine xmlns="" xmlns:a14="http://schemas.microsoft.com/office/drawing/2010/main" w="9525">
+                <a14:hiddenLine xmlns:a14="http://schemas.microsoft.com/office/drawing/2010/main" xmlns="" w="9525">
                   <a:solidFill>
                     <a:srgbClr val="000000"/>
                   </a:solidFill>
@@ -4124,7 +4439,7 @@
             </a:ln>
             <a:extLst>
               <a:ext uri="{91240B29-F687-4f45-9708-019B960494DF}">
-                <a14:hiddenLine xmlns="" xmlns:a14="http://schemas.microsoft.com/office/drawing/2010/main" w="9525">
+                <a14:hiddenLine xmlns:a14="http://schemas.microsoft.com/office/drawing/2010/main" xmlns="" w="9525">
                   <a:solidFill>
                     <a:srgbClr val="000000"/>
                   </a:solidFill>
@@ -4186,7 +4501,7 @@
             </a:ln>
             <a:extLst>
               <a:ext uri="{91240B29-F687-4f45-9708-019B960494DF}">
-                <a14:hiddenLine xmlns="" xmlns:a14="http://schemas.microsoft.com/office/drawing/2010/main" w="9525">
+                <a14:hiddenLine xmlns:a14="http://schemas.microsoft.com/office/drawing/2010/main" xmlns="" w="9525">
                   <a:solidFill>
                     <a:srgbClr val="000000"/>
                   </a:solidFill>
@@ -4276,7 +4591,7 @@
             </a:ln>
             <a:extLst>
               <a:ext uri="{91240B29-F687-4f45-9708-019B960494DF}">
-                <a14:hiddenLine xmlns="" xmlns:a14="http://schemas.microsoft.com/office/drawing/2010/main" w="9525">
+                <a14:hiddenLine xmlns:a14="http://schemas.microsoft.com/office/drawing/2010/main" xmlns="" w="9525">
                   <a:solidFill>
                     <a:srgbClr val="000000"/>
                   </a:solidFill>
@@ -4338,7 +4653,7 @@
             </a:ln>
             <a:extLst>
               <a:ext uri="{91240B29-F687-4f45-9708-019B960494DF}">
-                <a14:hiddenLine xmlns="" xmlns:a14="http://schemas.microsoft.com/office/drawing/2010/main" w="9525">
+                <a14:hiddenLine xmlns:a14="http://schemas.microsoft.com/office/drawing/2010/main" xmlns="" w="9525">
                   <a:solidFill>
                     <a:srgbClr val="000000"/>
                   </a:solidFill>
@@ -4428,7 +4743,7 @@
             </a:ln>
             <a:extLst>
               <a:ext uri="{91240B29-F687-4f45-9708-019B960494DF}">
-                <a14:hiddenLine xmlns="" xmlns:a14="http://schemas.microsoft.com/office/drawing/2010/main" w="9525">
+                <a14:hiddenLine xmlns:a14="http://schemas.microsoft.com/office/drawing/2010/main" xmlns="" w="9525">
                   <a:solidFill>
                     <a:srgbClr val="000000"/>
                   </a:solidFill>
@@ -4462,7 +4777,7 @@
             </a:ln>
             <a:extLst>
               <a:ext uri="{91240B29-F687-4f45-9708-019B960494DF}">
-                <a14:hiddenLine xmlns="" xmlns:a14="http://schemas.microsoft.com/office/drawing/2010/main" w="9525">
+                <a14:hiddenLine xmlns:a14="http://schemas.microsoft.com/office/drawing/2010/main" xmlns="" w="9525">
                   <a:solidFill>
                     <a:srgbClr val="000000"/>
                   </a:solidFill>
@@ -4527,7 +4842,7 @@
             </a:ln>
             <a:extLst>
               <a:ext uri="{91240B29-F687-4f45-9708-019B960494DF}">
-                <a14:hiddenLine xmlns="" xmlns:a14="http://schemas.microsoft.com/office/drawing/2010/main" w="9525">
+                <a14:hiddenLine xmlns:a14="http://schemas.microsoft.com/office/drawing/2010/main" xmlns="" w="9525">
                   <a:solidFill>
                     <a:srgbClr val="000000"/>
                   </a:solidFill>
@@ -4617,7 +4932,7 @@
             </a:ln>
             <a:extLst>
               <a:ext uri="{91240B29-F687-4f45-9708-019B960494DF}">
-                <a14:hiddenLine xmlns="" xmlns:a14="http://schemas.microsoft.com/office/drawing/2010/main" w="9525">
+                <a14:hiddenLine xmlns:a14="http://schemas.microsoft.com/office/drawing/2010/main" xmlns="" w="9525">
                   <a:solidFill>
                     <a:srgbClr val="000000"/>
                   </a:solidFill>
@@ -4679,7 +4994,7 @@
             </a:ln>
             <a:extLst>
               <a:ext uri="{91240B29-F687-4f45-9708-019B960494DF}">
-                <a14:hiddenLine xmlns="" xmlns:a14="http://schemas.microsoft.com/office/drawing/2010/main" w="9525">
+                <a14:hiddenLine xmlns:a14="http://schemas.microsoft.com/office/drawing/2010/main" xmlns="" w="9525">
                   <a:solidFill>
                     <a:srgbClr val="000000"/>
                   </a:solidFill>
@@ -4769,7 +5084,7 @@
             </a:ln>
             <a:extLst>
               <a:ext uri="{91240B29-F687-4f45-9708-019B960494DF}">
-                <a14:hiddenLine xmlns="" xmlns:a14="http://schemas.microsoft.com/office/drawing/2010/main" w="9525">
+                <a14:hiddenLine xmlns:a14="http://schemas.microsoft.com/office/drawing/2010/main" xmlns="" w="9525">
                   <a:solidFill>
                     <a:srgbClr val="000000"/>
                   </a:solidFill>
@@ -4859,7 +5174,7 @@
             </a:ln>
             <a:extLst>
               <a:ext uri="{91240B29-F687-4f45-9708-019B960494DF}">
-                <a14:hiddenLine xmlns="" xmlns:a14="http://schemas.microsoft.com/office/drawing/2010/main" w="9525">
+                <a14:hiddenLine xmlns:a14="http://schemas.microsoft.com/office/drawing/2010/main" xmlns="" w="9525">
                   <a:solidFill>
                     <a:srgbClr val="000000"/>
                   </a:solidFill>
@@ -4924,7 +5239,7 @@
             </a:ln>
             <a:extLst>
               <a:ext uri="{91240B29-F687-4f45-9708-019B960494DF}">
-                <a14:hiddenLine xmlns="" xmlns:a14="http://schemas.microsoft.com/office/drawing/2010/main" w="9525">
+                <a14:hiddenLine xmlns:a14="http://schemas.microsoft.com/office/drawing/2010/main" xmlns="" w="9525">
                   <a:solidFill>
                     <a:srgbClr val="000000"/>
                   </a:solidFill>
@@ -4986,7 +5301,7 @@
             </a:ln>
             <a:extLst>
               <a:ext uri="{91240B29-F687-4f45-9708-019B960494DF}">
-                <a14:hiddenLine xmlns="" xmlns:a14="http://schemas.microsoft.com/office/drawing/2010/main" w="9525">
+                <a14:hiddenLine xmlns:a14="http://schemas.microsoft.com/office/drawing/2010/main" xmlns="" w="9525">
                   <a:solidFill>
                     <a:srgbClr val="000000"/>
                   </a:solidFill>
@@ -5076,7 +5391,7 @@
             </a:ln>
             <a:extLst>
               <a:ext uri="{91240B29-F687-4f45-9708-019B960494DF}">
-                <a14:hiddenLine xmlns="" xmlns:a14="http://schemas.microsoft.com/office/drawing/2010/main" w="9525">
+                <a14:hiddenLine xmlns:a14="http://schemas.microsoft.com/office/drawing/2010/main" xmlns="" w="9525">
                   <a:solidFill>
                     <a:srgbClr val="000000"/>
                   </a:solidFill>
@@ -5166,7 +5481,7 @@
             </a:ln>
             <a:extLst>
               <a:ext uri="{91240B29-F687-4f45-9708-019B960494DF}">
-                <a14:hiddenLine xmlns="" xmlns:a14="http://schemas.microsoft.com/office/drawing/2010/main" w="9525">
+                <a14:hiddenLine xmlns:a14="http://schemas.microsoft.com/office/drawing/2010/main" xmlns="" w="9525">
                   <a:solidFill>
                     <a:srgbClr val="000000"/>
                   </a:solidFill>
@@ -5228,7 +5543,7 @@
             </a:ln>
             <a:extLst>
               <a:ext uri="{91240B29-F687-4f45-9708-019B960494DF}">
-                <a14:hiddenLine xmlns="" xmlns:a14="http://schemas.microsoft.com/office/drawing/2010/main" w="9525">
+                <a14:hiddenLine xmlns:a14="http://schemas.microsoft.com/office/drawing/2010/main" xmlns="" w="9525">
                   <a:solidFill>
                     <a:srgbClr val="000000"/>
                   </a:solidFill>
@@ -5348,7 +5663,7 @@
             </a:ln>
             <a:extLst>
               <a:ext uri="{91240B29-F687-4f45-9708-019B960494DF}">
-                <a14:hiddenLine xmlns="" xmlns:a14="http://schemas.microsoft.com/office/drawing/2010/main" w="9525">
+                <a14:hiddenLine xmlns:a14="http://schemas.microsoft.com/office/drawing/2010/main" xmlns="" w="9525">
                   <a:solidFill>
                     <a:srgbClr val="000000"/>
                   </a:solidFill>
@@ -5416,7 +5731,7 @@
             </a:ln>
             <a:extLst>
               <a:ext uri="{91240B29-F687-4f45-9708-019B960494DF}">
-                <a14:hiddenLine xmlns="" xmlns:a14="http://schemas.microsoft.com/office/drawing/2010/main" w="9525">
+                <a14:hiddenLine xmlns:a14="http://schemas.microsoft.com/office/drawing/2010/main" xmlns="" w="9525">
                   <a:solidFill>
                     <a:srgbClr val="000000"/>
                   </a:solidFill>
@@ -5506,7 +5821,7 @@
             </a:ln>
             <a:extLst>
               <a:ext uri="{91240B29-F687-4f45-9708-019B960494DF}">
-                <a14:hiddenLine xmlns="" xmlns:a14="http://schemas.microsoft.com/office/drawing/2010/main" w="9525">
+                <a14:hiddenLine xmlns:a14="http://schemas.microsoft.com/office/drawing/2010/main" xmlns="" w="9525">
                   <a:solidFill>
                     <a:srgbClr val="000000"/>
                   </a:solidFill>
@@ -5646,7 +5961,7 @@
           <a:p>
             <a:fld id="{8C532D38-99C0-462E-A42D-D8B481AF84FC}" type="datetimeFigureOut">
               <a:rPr lang="es-ES" smtClean="0"/>
-              <a:t>17/06/2023</a:t>
+              <a:t>18/06/2023</a:t>
             </a:fld>
             <a:endParaRPr lang="es-ES"/>
           </a:p>
@@ -5913,7 +6228,7 @@
           <a:p>
             <a:fld id="{8C532D38-99C0-462E-A42D-D8B481AF84FC}" type="datetimeFigureOut">
               <a:rPr lang="es-ES" smtClean="0"/>
-              <a:t>17/06/2023</a:t>
+              <a:t>18/06/2023</a:t>
             </a:fld>
             <a:endParaRPr lang="es-ES"/>
           </a:p>
@@ -6109,7 +6424,7 @@
           <a:p>
             <a:fld id="{8C532D38-99C0-462E-A42D-D8B481AF84FC}" type="datetimeFigureOut">
               <a:rPr lang="es-ES" smtClean="0"/>
-              <a:t>17/06/2023</a:t>
+              <a:t>18/06/2023</a:t>
             </a:fld>
             <a:endParaRPr lang="es-ES"/>
           </a:p>
@@ -6372,7 +6687,7 @@
           <a:p>
             <a:fld id="{8C532D38-99C0-462E-A42D-D8B481AF84FC}" type="datetimeFigureOut">
               <a:rPr lang="es-ES" smtClean="0"/>
-              <a:t>17/06/2023</a:t>
+              <a:t>18/06/2023</a:t>
             </a:fld>
             <a:endParaRPr lang="es-ES"/>
           </a:p>
@@ -6806,7 +7121,7 @@
           <a:p>
             <a:fld id="{8C532D38-99C0-462E-A42D-D8B481AF84FC}" type="datetimeFigureOut">
               <a:rPr lang="es-ES" smtClean="0"/>
-              <a:t>17/06/2023</a:t>
+              <a:t>18/06/2023</a:t>
             </a:fld>
             <a:endParaRPr lang="es-ES"/>
           </a:p>
@@ -7352,7 +7667,7 @@
           <a:p>
             <a:fld id="{8C532D38-99C0-462E-A42D-D8B481AF84FC}" type="datetimeFigureOut">
               <a:rPr lang="es-ES" smtClean="0"/>
-              <a:t>17/06/2023</a:t>
+              <a:t>18/06/2023</a:t>
             </a:fld>
             <a:endParaRPr lang="es-ES"/>
           </a:p>
@@ -8072,7 +8387,7 @@
           <a:p>
             <a:fld id="{8C532D38-99C0-462E-A42D-D8B481AF84FC}" type="datetimeFigureOut">
               <a:rPr lang="es-ES" smtClean="0"/>
-              <a:t>17/06/2023</a:t>
+              <a:t>18/06/2023</a:t>
             </a:fld>
             <a:endParaRPr lang="es-ES"/>
           </a:p>
@@ -8242,7 +8557,7 @@
           <a:p>
             <a:fld id="{8C532D38-99C0-462E-A42D-D8B481AF84FC}" type="datetimeFigureOut">
               <a:rPr lang="es-ES" smtClean="0"/>
-              <a:t>17/06/2023</a:t>
+              <a:t>18/06/2023</a:t>
             </a:fld>
             <a:endParaRPr lang="es-ES"/>
           </a:p>
@@ -8422,7 +8737,7 @@
           <a:p>
             <a:fld id="{8C532D38-99C0-462E-A42D-D8B481AF84FC}" type="datetimeFigureOut">
               <a:rPr lang="es-ES" smtClean="0"/>
-              <a:t>17/06/2023</a:t>
+              <a:t>18/06/2023</a:t>
             </a:fld>
             <a:endParaRPr lang="es-ES"/>
           </a:p>
@@ -8592,7 +8907,7 @@
           <a:p>
             <a:fld id="{8C532D38-99C0-462E-A42D-D8B481AF84FC}" type="datetimeFigureOut">
               <a:rPr lang="es-ES" smtClean="0"/>
-              <a:t>17/06/2023</a:t>
+              <a:t>18/06/2023</a:t>
             </a:fld>
             <a:endParaRPr lang="es-ES"/>
           </a:p>
@@ -8842,7 +9157,7 @@
           <a:p>
             <a:fld id="{8C532D38-99C0-462E-A42D-D8B481AF84FC}" type="datetimeFigureOut">
               <a:rPr lang="es-ES" smtClean="0"/>
-              <a:t>17/06/2023</a:t>
+              <a:t>18/06/2023</a:t>
             </a:fld>
             <a:endParaRPr lang="es-ES"/>
           </a:p>
@@ -9074,7 +9389,7 @@
           <a:p>
             <a:fld id="{8C532D38-99C0-462E-A42D-D8B481AF84FC}" type="datetimeFigureOut">
               <a:rPr lang="es-ES" smtClean="0"/>
-              <a:t>17/06/2023</a:t>
+              <a:t>18/06/2023</a:t>
             </a:fld>
             <a:endParaRPr lang="es-ES"/>
           </a:p>
@@ -9455,7 +9770,7 @@
           <a:p>
             <a:fld id="{8C532D38-99C0-462E-A42D-D8B481AF84FC}" type="datetimeFigureOut">
               <a:rPr lang="es-ES" smtClean="0"/>
-              <a:t>17/06/2023</a:t>
+              <a:t>18/06/2023</a:t>
             </a:fld>
             <a:endParaRPr lang="es-ES"/>
           </a:p>
@@ -9573,7 +9888,7 @@
           <a:p>
             <a:fld id="{8C532D38-99C0-462E-A42D-D8B481AF84FC}" type="datetimeFigureOut">
               <a:rPr lang="es-ES" smtClean="0"/>
-              <a:t>17/06/2023</a:t>
+              <a:t>18/06/2023</a:t>
             </a:fld>
             <a:endParaRPr lang="es-ES"/>
           </a:p>
@@ -9668,7 +9983,7 @@
           <a:p>
             <a:fld id="{8C532D38-99C0-462E-A42D-D8B481AF84FC}" type="datetimeFigureOut">
               <a:rPr lang="es-ES" smtClean="0"/>
-              <a:t>17/06/2023</a:t>
+              <a:t>18/06/2023</a:t>
             </a:fld>
             <a:endParaRPr lang="es-ES"/>
           </a:p>
@@ -9917,7 +10232,7 @@
           <a:p>
             <a:fld id="{8C532D38-99C0-462E-A42D-D8B481AF84FC}" type="datetimeFigureOut">
               <a:rPr lang="es-ES" smtClean="0"/>
-              <a:t>17/06/2023</a:t>
+              <a:t>18/06/2023</a:t>
             </a:fld>
             <a:endParaRPr lang="es-ES"/>
           </a:p>
@@ -10197,7 +10512,7 @@
           <a:p>
             <a:fld id="{8C532D38-99C0-462E-A42D-D8B481AF84FC}" type="datetimeFigureOut">
               <a:rPr lang="es-ES" smtClean="0"/>
-              <a:t>17/06/2023</a:t>
+              <a:t>18/06/2023</a:t>
             </a:fld>
             <a:endParaRPr lang="es-ES"/>
           </a:p>
@@ -10320,7 +10635,7 @@
           <a:noFill/>
           <a:extLst>
             <a:ext uri="{909E8E84-426E-40dd-AFC4-6F175D3DCCD1}">
-              <a14:hiddenFill xmlns="" xmlns:a14="http://schemas.microsoft.com/office/drawing/2010/main">
+              <a14:hiddenFill xmlns:a14="http://schemas.microsoft.com/office/drawing/2010/main" xmlns="">
                 <a:solidFill>
                   <a:srgbClr val="FFFFFF"/>
                 </a:solidFill>
@@ -10394,7 +10709,7 @@
               </a:ln>
               <a:extLst>
                 <a:ext uri="{91240B29-F687-4f45-9708-019B960494DF}">
-                  <a14:hiddenLine xmlns="" xmlns:a14="http://schemas.microsoft.com/office/drawing/2010/main" w="9525">
+                  <a14:hiddenLine xmlns:a14="http://schemas.microsoft.com/office/drawing/2010/main" xmlns="" w="9525">
                     <a:solidFill>
                       <a:srgbClr val="000000"/>
                     </a:solidFill>
@@ -10484,7 +10799,7 @@
               </a:ln>
               <a:extLst>
                 <a:ext uri="{91240B29-F687-4f45-9708-019B960494DF}">
-                  <a14:hiddenLine xmlns="" xmlns:a14="http://schemas.microsoft.com/office/drawing/2010/main" w="9525">
+                  <a14:hiddenLine xmlns:a14="http://schemas.microsoft.com/office/drawing/2010/main" xmlns="" w="9525">
                     <a:solidFill>
                       <a:srgbClr val="000000"/>
                     </a:solidFill>
@@ -10574,7 +10889,7 @@
               </a:ln>
               <a:extLst>
                 <a:ext uri="{91240B29-F687-4f45-9708-019B960494DF}">
-                  <a14:hiddenLine xmlns="" xmlns:a14="http://schemas.microsoft.com/office/drawing/2010/main" w="9525">
+                  <a14:hiddenLine xmlns:a14="http://schemas.microsoft.com/office/drawing/2010/main" xmlns="" w="9525">
                     <a:solidFill>
                       <a:srgbClr val="000000"/>
                     </a:solidFill>
@@ -10636,7 +10951,7 @@
               </a:ln>
               <a:extLst>
                 <a:ext uri="{91240B29-F687-4f45-9708-019B960494DF}">
-                  <a14:hiddenLine xmlns="" xmlns:a14="http://schemas.microsoft.com/office/drawing/2010/main" w="9525">
+                  <a14:hiddenLine xmlns:a14="http://schemas.microsoft.com/office/drawing/2010/main" xmlns="" w="9525">
                     <a:solidFill>
                       <a:srgbClr val="000000"/>
                     </a:solidFill>
@@ -10726,7 +11041,7 @@
               </a:ln>
               <a:extLst>
                 <a:ext uri="{91240B29-F687-4f45-9708-019B960494DF}">
-                  <a14:hiddenLine xmlns="" xmlns:a14="http://schemas.microsoft.com/office/drawing/2010/main" w="9525">
+                  <a14:hiddenLine xmlns:a14="http://schemas.microsoft.com/office/drawing/2010/main" xmlns="" w="9525">
                     <a:solidFill>
                       <a:srgbClr val="000000"/>
                     </a:solidFill>
@@ -10788,7 +11103,7 @@
               </a:ln>
               <a:extLst>
                 <a:ext uri="{91240B29-F687-4f45-9708-019B960494DF}">
-                  <a14:hiddenLine xmlns="" xmlns:a14="http://schemas.microsoft.com/office/drawing/2010/main" w="9525">
+                  <a14:hiddenLine xmlns:a14="http://schemas.microsoft.com/office/drawing/2010/main" xmlns="" w="9525">
                     <a:solidFill>
                       <a:srgbClr val="000000"/>
                     </a:solidFill>
@@ -10850,7 +11165,7 @@
               </a:ln>
               <a:extLst>
                 <a:ext uri="{91240B29-F687-4f45-9708-019B960494DF}">
-                  <a14:hiddenLine xmlns="" xmlns:a14="http://schemas.microsoft.com/office/drawing/2010/main" w="9525">
+                  <a14:hiddenLine xmlns:a14="http://schemas.microsoft.com/office/drawing/2010/main" xmlns="" w="9525">
                     <a:solidFill>
                       <a:srgbClr val="000000"/>
                     </a:solidFill>
@@ -10940,7 +11255,7 @@
               </a:ln>
               <a:extLst>
                 <a:ext uri="{91240B29-F687-4f45-9708-019B960494DF}">
-                  <a14:hiddenLine xmlns="" xmlns:a14="http://schemas.microsoft.com/office/drawing/2010/main" w="9525">
+                  <a14:hiddenLine xmlns:a14="http://schemas.microsoft.com/office/drawing/2010/main" xmlns="" w="9525">
                     <a:solidFill>
                       <a:srgbClr val="000000"/>
                     </a:solidFill>
@@ -11030,7 +11345,7 @@
               </a:ln>
               <a:extLst>
                 <a:ext uri="{91240B29-F687-4f45-9708-019B960494DF}">
-                  <a14:hiddenLine xmlns="" xmlns:a14="http://schemas.microsoft.com/office/drawing/2010/main" w="9525">
+                  <a14:hiddenLine xmlns:a14="http://schemas.microsoft.com/office/drawing/2010/main" xmlns="" w="9525">
                     <a:solidFill>
                       <a:srgbClr val="000000"/>
                     </a:solidFill>
@@ -11092,7 +11407,7 @@
               </a:ln>
               <a:extLst>
                 <a:ext uri="{91240B29-F687-4f45-9708-019B960494DF}">
-                  <a14:hiddenLine xmlns="" xmlns:a14="http://schemas.microsoft.com/office/drawing/2010/main" w="9525">
+                  <a14:hiddenLine xmlns:a14="http://schemas.microsoft.com/office/drawing/2010/main" xmlns="" w="9525">
                     <a:solidFill>
                       <a:srgbClr val="000000"/>
                     </a:solidFill>
@@ -11202,7 +11517,7 @@
               </a:ln>
               <a:extLst>
                 <a:ext uri="{91240B29-F687-4f45-9708-019B960494DF}">
-                  <a14:hiddenLine xmlns="" xmlns:a14="http://schemas.microsoft.com/office/drawing/2010/main" w="9525">
+                  <a14:hiddenLine xmlns:a14="http://schemas.microsoft.com/office/drawing/2010/main" xmlns="" w="9525">
                     <a:solidFill>
                       <a:srgbClr val="000000"/>
                     </a:solidFill>
@@ -11286,7 +11601,7 @@
               </a:ln>
               <a:extLst>
                 <a:ext uri="{91240B29-F687-4f45-9708-019B960494DF}">
-                  <a14:hiddenLine xmlns="" xmlns:a14="http://schemas.microsoft.com/office/drawing/2010/main" w="9525">
+                  <a14:hiddenLine xmlns:a14="http://schemas.microsoft.com/office/drawing/2010/main" xmlns="" w="9525">
                     <a:solidFill>
                       <a:srgbClr val="000000"/>
                     </a:solidFill>
@@ -11348,7 +11663,7 @@
               </a:ln>
               <a:extLst>
                 <a:ext uri="{91240B29-F687-4f45-9708-019B960494DF}">
-                  <a14:hiddenLine xmlns="" xmlns:a14="http://schemas.microsoft.com/office/drawing/2010/main" w="9525">
+                  <a14:hiddenLine xmlns:a14="http://schemas.microsoft.com/office/drawing/2010/main" xmlns="" w="9525">
                     <a:solidFill>
                       <a:srgbClr val="000000"/>
                     </a:solidFill>
@@ -11410,7 +11725,7 @@
               </a:ln>
               <a:extLst>
                 <a:ext uri="{91240B29-F687-4f45-9708-019B960494DF}">
-                  <a14:hiddenLine xmlns="" xmlns:a14="http://schemas.microsoft.com/office/drawing/2010/main" w="9525">
+                  <a14:hiddenLine xmlns:a14="http://schemas.microsoft.com/office/drawing/2010/main" xmlns="" w="9525">
                     <a:solidFill>
                       <a:srgbClr val="000000"/>
                     </a:solidFill>
@@ -11500,7 +11815,7 @@
               </a:ln>
               <a:extLst>
                 <a:ext uri="{91240B29-F687-4f45-9708-019B960494DF}">
-                  <a14:hiddenLine xmlns="" xmlns:a14="http://schemas.microsoft.com/office/drawing/2010/main" w="9525">
+                  <a14:hiddenLine xmlns:a14="http://schemas.microsoft.com/office/drawing/2010/main" xmlns="" w="9525">
                     <a:solidFill>
                       <a:srgbClr val="000000"/>
                     </a:solidFill>
@@ -11534,7 +11849,7 @@
               </a:ln>
               <a:extLst>
                 <a:ext uri="{91240B29-F687-4f45-9708-019B960494DF}">
-                  <a14:hiddenLine xmlns="" xmlns:a14="http://schemas.microsoft.com/office/drawing/2010/main" w="9525">
+                  <a14:hiddenLine xmlns:a14="http://schemas.microsoft.com/office/drawing/2010/main" xmlns="" w="9525">
                     <a:solidFill>
                       <a:srgbClr val="000000"/>
                     </a:solidFill>
@@ -11599,7 +11914,7 @@
               </a:ln>
               <a:extLst>
                 <a:ext uri="{91240B29-F687-4f45-9708-019B960494DF}">
-                  <a14:hiddenLine xmlns="" xmlns:a14="http://schemas.microsoft.com/office/drawing/2010/main" w="9525">
+                  <a14:hiddenLine xmlns:a14="http://schemas.microsoft.com/office/drawing/2010/main" xmlns="" w="9525">
                     <a:solidFill>
                       <a:srgbClr val="000000"/>
                     </a:solidFill>
@@ -11689,7 +12004,7 @@
               </a:ln>
               <a:extLst>
                 <a:ext uri="{91240B29-F687-4f45-9708-019B960494DF}">
-                  <a14:hiddenLine xmlns="" xmlns:a14="http://schemas.microsoft.com/office/drawing/2010/main" w="9525">
+                  <a14:hiddenLine xmlns:a14="http://schemas.microsoft.com/office/drawing/2010/main" xmlns="" w="9525">
                     <a:solidFill>
                       <a:srgbClr val="000000"/>
                     </a:solidFill>
@@ -11751,7 +12066,7 @@
               </a:ln>
               <a:extLst>
                 <a:ext uri="{91240B29-F687-4f45-9708-019B960494DF}">
-                  <a14:hiddenLine xmlns="" xmlns:a14="http://schemas.microsoft.com/office/drawing/2010/main" w="9525">
+                  <a14:hiddenLine xmlns:a14="http://schemas.microsoft.com/office/drawing/2010/main" xmlns="" w="9525">
                     <a:solidFill>
                       <a:srgbClr val="000000"/>
                     </a:solidFill>
@@ -11841,7 +12156,7 @@
               </a:ln>
               <a:extLst>
                 <a:ext uri="{91240B29-F687-4f45-9708-019B960494DF}">
-                  <a14:hiddenLine xmlns="" xmlns:a14="http://schemas.microsoft.com/office/drawing/2010/main" w="9525">
+                  <a14:hiddenLine xmlns:a14="http://schemas.microsoft.com/office/drawing/2010/main" xmlns="" w="9525">
                     <a:solidFill>
                       <a:srgbClr val="000000"/>
                     </a:solidFill>
@@ -11906,7 +12221,7 @@
               </a:ln>
               <a:extLst>
                 <a:ext uri="{91240B29-F687-4f45-9708-019B960494DF}">
-                  <a14:hiddenLine xmlns="" xmlns:a14="http://schemas.microsoft.com/office/drawing/2010/main" w="9525">
+                  <a14:hiddenLine xmlns:a14="http://schemas.microsoft.com/office/drawing/2010/main" xmlns="" w="9525">
                     <a:solidFill>
                       <a:srgbClr val="000000"/>
                     </a:solidFill>
@@ -11968,7 +12283,7 @@
               </a:ln>
               <a:extLst>
                 <a:ext uri="{91240B29-F687-4f45-9708-019B960494DF}">
-                  <a14:hiddenLine xmlns="" xmlns:a14="http://schemas.microsoft.com/office/drawing/2010/main" w="9525">
+                  <a14:hiddenLine xmlns:a14="http://schemas.microsoft.com/office/drawing/2010/main" xmlns="" w="9525">
                     <a:solidFill>
                       <a:srgbClr val="000000"/>
                     </a:solidFill>
@@ -12058,7 +12373,7 @@
               </a:ln>
               <a:extLst>
                 <a:ext uri="{91240B29-F687-4f45-9708-019B960494DF}">
-                  <a14:hiddenLine xmlns="" xmlns:a14="http://schemas.microsoft.com/office/drawing/2010/main" w="9525">
+                  <a14:hiddenLine xmlns:a14="http://schemas.microsoft.com/office/drawing/2010/main" xmlns="" w="9525">
                     <a:solidFill>
                       <a:srgbClr val="000000"/>
                     </a:solidFill>
@@ -12148,7 +12463,7 @@
               </a:ln>
               <a:extLst>
                 <a:ext uri="{91240B29-F687-4f45-9708-019B960494DF}">
-                  <a14:hiddenLine xmlns="" xmlns:a14="http://schemas.microsoft.com/office/drawing/2010/main" w="9525">
+                  <a14:hiddenLine xmlns:a14="http://schemas.microsoft.com/office/drawing/2010/main" xmlns="" w="9525">
                     <a:solidFill>
                       <a:srgbClr val="000000"/>
                     </a:solidFill>
@@ -12213,7 +12528,7 @@
               </a:ln>
               <a:extLst>
                 <a:ext uri="{91240B29-F687-4f45-9708-019B960494DF}">
-                  <a14:hiddenLine xmlns="" xmlns:a14="http://schemas.microsoft.com/office/drawing/2010/main" w="9525">
+                  <a14:hiddenLine xmlns:a14="http://schemas.microsoft.com/office/drawing/2010/main" xmlns="" w="9525">
                     <a:solidFill>
                       <a:srgbClr val="000000"/>
                     </a:solidFill>
@@ -12333,7 +12648,7 @@
               </a:ln>
               <a:extLst>
                 <a:ext uri="{91240B29-F687-4f45-9708-019B960494DF}">
-                  <a14:hiddenLine xmlns="" xmlns:a14="http://schemas.microsoft.com/office/drawing/2010/main" w="9525">
+                  <a14:hiddenLine xmlns:a14="http://schemas.microsoft.com/office/drawing/2010/main" xmlns="" w="9525">
                     <a:solidFill>
                       <a:srgbClr val="000000"/>
                     </a:solidFill>
@@ -12414,7 +12729,7 @@
               </a:ln>
               <a:extLst>
                 <a:ext uri="{91240B29-F687-4f45-9708-019B960494DF}">
-                  <a14:hiddenLine xmlns="" xmlns:a14="http://schemas.microsoft.com/office/drawing/2010/main" w="9525">
+                  <a14:hiddenLine xmlns:a14="http://schemas.microsoft.com/office/drawing/2010/main" xmlns="" w="9525">
                     <a:solidFill>
                       <a:srgbClr val="000000"/>
                     </a:solidFill>
@@ -12529,7 +12844,7 @@
               </a:ln>
               <a:extLst>
                 <a:ext uri="{91240B29-F687-4f45-9708-019B960494DF}">
-                  <a14:hiddenLine xmlns="" xmlns:a14="http://schemas.microsoft.com/office/drawing/2010/main" w="9525">
+                  <a14:hiddenLine xmlns:a14="http://schemas.microsoft.com/office/drawing/2010/main" xmlns="" w="9525">
                     <a:solidFill>
                       <a:srgbClr val="000000"/>
                     </a:solidFill>
@@ -12619,7 +12934,7 @@
               </a:ln>
               <a:extLst>
                 <a:ext uri="{91240B29-F687-4f45-9708-019B960494DF}">
-                  <a14:hiddenLine xmlns="" xmlns:a14="http://schemas.microsoft.com/office/drawing/2010/main" w="9525">
+                  <a14:hiddenLine xmlns:a14="http://schemas.microsoft.com/office/drawing/2010/main" xmlns="" w="9525">
                     <a:solidFill>
                       <a:srgbClr val="000000"/>
                     </a:solidFill>
@@ -12684,7 +12999,7 @@
               </a:ln>
               <a:extLst>
                 <a:ext uri="{91240B29-F687-4f45-9708-019B960494DF}">
-                  <a14:hiddenLine xmlns="" xmlns:a14="http://schemas.microsoft.com/office/drawing/2010/main" w="9525">
+                  <a14:hiddenLine xmlns:a14="http://schemas.microsoft.com/office/drawing/2010/main" xmlns="" w="9525">
                     <a:solidFill>
                       <a:srgbClr val="000000"/>
                     </a:solidFill>
@@ -12774,7 +13089,7 @@
               </a:ln>
               <a:extLst>
                 <a:ext uri="{91240B29-F687-4f45-9708-019B960494DF}">
-                  <a14:hiddenLine xmlns="" xmlns:a14="http://schemas.microsoft.com/office/drawing/2010/main" w="9525">
+                  <a14:hiddenLine xmlns:a14="http://schemas.microsoft.com/office/drawing/2010/main" xmlns="" w="9525">
                     <a:solidFill>
                       <a:srgbClr val="000000"/>
                     </a:solidFill>
@@ -12842,7 +13157,7 @@
               </a:ln>
               <a:extLst>
                 <a:ext uri="{91240B29-F687-4f45-9708-019B960494DF}">
-                  <a14:hiddenLine xmlns="" xmlns:a14="http://schemas.microsoft.com/office/drawing/2010/main" w="9525">
+                  <a14:hiddenLine xmlns:a14="http://schemas.microsoft.com/office/drawing/2010/main" xmlns="" w="9525">
                     <a:solidFill>
                       <a:srgbClr val="000000"/>
                     </a:solidFill>
@@ -12932,7 +13247,7 @@
               </a:ln>
               <a:extLst>
                 <a:ext uri="{91240B29-F687-4f45-9708-019B960494DF}">
-                  <a14:hiddenLine xmlns="" xmlns:a14="http://schemas.microsoft.com/office/drawing/2010/main" w="9525">
+                  <a14:hiddenLine xmlns:a14="http://schemas.microsoft.com/office/drawing/2010/main" xmlns="" w="9525">
                     <a:solidFill>
                       <a:srgbClr val="000000"/>
                     </a:solidFill>
@@ -13000,7 +13315,7 @@
               </a:ln>
               <a:extLst>
                 <a:ext uri="{91240B29-F687-4f45-9708-019B960494DF}">
-                  <a14:hiddenLine xmlns="" xmlns:a14="http://schemas.microsoft.com/office/drawing/2010/main" w="9525">
+                  <a14:hiddenLine xmlns:a14="http://schemas.microsoft.com/office/drawing/2010/main" xmlns="" w="9525">
                     <a:solidFill>
                       <a:srgbClr val="000000"/>
                     </a:solidFill>
@@ -13090,7 +13405,7 @@
               </a:ln>
               <a:extLst>
                 <a:ext uri="{91240B29-F687-4f45-9708-019B960494DF}">
-                  <a14:hiddenLine xmlns="" xmlns:a14="http://schemas.microsoft.com/office/drawing/2010/main" w="9525">
+                  <a14:hiddenLine xmlns:a14="http://schemas.microsoft.com/office/drawing/2010/main" xmlns="" w="9525">
                     <a:solidFill>
                       <a:srgbClr val="000000"/>
                     </a:solidFill>
@@ -13124,7 +13439,7 @@
               </a:ln>
               <a:extLst>
                 <a:ext uri="{91240B29-F687-4f45-9708-019B960494DF}">
-                  <a14:hiddenLine xmlns="" xmlns:a14="http://schemas.microsoft.com/office/drawing/2010/main" w="9525">
+                  <a14:hiddenLine xmlns:a14="http://schemas.microsoft.com/office/drawing/2010/main" xmlns="" w="9525">
                     <a:solidFill>
                       <a:srgbClr val="000000"/>
                     </a:solidFill>
@@ -13264,7 +13579,7 @@
           <a:p>
             <a:fld id="{8C532D38-99C0-462E-A42D-D8B481AF84FC}" type="datetimeFigureOut">
               <a:rPr lang="es-ES" smtClean="0"/>
-              <a:t>17/06/2023</a:t>
+              <a:t>18/06/2023</a:t>
             </a:fld>
             <a:endParaRPr lang="es-ES"/>
           </a:p>
@@ -15138,7 +15453,7 @@
           <p:nvPr/>
         </p:nvPicPr>
         <p:blipFill>
-          <a:blip r:embed="rId2">
+          <a:blip r:embed="rId3">
             <a:extLst>
               <a:ext uri="{28A0092B-C50C-407E-A947-70E740481C1C}">
                 <a14:useLocalDpi xmlns:a14="http://schemas.microsoft.com/office/drawing/2010/main" val="0"/>
@@ -15767,7 +16082,7 @@
           <p:nvPr/>
         </p:nvPicPr>
         <p:blipFill>
-          <a:blip r:embed="rId2">
+          <a:blip r:embed="rId3">
             <a:extLst>
               <a:ext uri="{28A0092B-C50C-407E-A947-70E740481C1C}">
                 <a14:useLocalDpi xmlns:a14="http://schemas.microsoft.com/office/drawing/2010/main" val="0"/>
@@ -16717,7 +17032,7 @@
           <p:nvPr/>
         </p:nvPicPr>
         <p:blipFill>
-          <a:blip r:embed="rId2">
+          <a:blip r:embed="rId3">
             <a:extLst>
               <a:ext uri="{28A0092B-C50C-407E-A947-70E740481C1C}">
                 <a14:useLocalDpi xmlns:a14="http://schemas.microsoft.com/office/drawing/2010/main" val="0"/>
